--- a/alec/day3/AoCday3.pptx
+++ b/alec/day3/AoCday3.pptx
@@ -109,14 +109,6 @@
 </p:presentation>
 </file>
 
-<file path=ppt/revisionInfo.xml><?xml version="1.0" encoding="utf-8"?>
-<p1510:revInfo xmlns:a="http://schemas.openxmlformats.org/drawingml/2006/main" xmlns:r="http://schemas.openxmlformats.org/officeDocument/2006/relationships" xmlns:p1510="http://schemas.microsoft.com/office/powerpoint/2015/10/main">
-  <p1510:revLst>
-    <p1510:client id="{EF00E37A-DA02-4251-B2F6-601C35875D54}" v="4" dt="2024-12-10T09:48:43.242"/>
-  </p1510:revLst>
-</p1510:revInfo>
-</file>
-
 <file path=ppt/charts/chart1.xml><?xml version="1.0" encoding="utf-8"?>
 <c:chartSpace xmlns:c="http://schemas.openxmlformats.org/drawingml/2006/chart" xmlns:a="http://schemas.openxmlformats.org/drawingml/2006/main" xmlns:r="http://schemas.openxmlformats.org/officeDocument/2006/relationships" xmlns:c16r2="http://schemas.microsoft.com/office/drawing/2015/06/chart">
   <c:date1904 val="0"/>
@@ -2228,6 +2220,2731 @@
         <c:lblOffset val="100"/>
         <c:noMultiLvlLbl val="0"/>
       </c:catAx>
+      <c:spPr>
+        <a:noFill/>
+        <a:ln>
+          <a:noFill/>
+        </a:ln>
+        <a:effectLst/>
+      </c:spPr>
+    </c:plotArea>
+    <c:legend>
+      <c:legendPos val="b"/>
+      <c:overlay val="0"/>
+      <c:spPr>
+        <a:noFill/>
+        <a:ln>
+          <a:noFill/>
+        </a:ln>
+        <a:effectLst/>
+      </c:spPr>
+      <c:txPr>
+        <a:bodyPr rot="0" spcFirstLastPara="1" vertOverflow="ellipsis" vert="horz" wrap="square" anchor="ctr" anchorCtr="1"/>
+        <a:lstStyle/>
+        <a:p>
+          <a:pPr>
+            <a:defRPr sz="1197" b="0" i="0" u="none" strike="noStrike" kern="1200" baseline="0">
+              <a:solidFill>
+                <a:schemeClr val="tx1">
+                  <a:lumMod val="65000"/>
+                  <a:lumOff val="35000"/>
+                </a:schemeClr>
+              </a:solidFill>
+              <a:latin typeface="+mn-lt"/>
+              <a:ea typeface="+mn-ea"/>
+              <a:cs typeface="+mn-cs"/>
+            </a:defRPr>
+          </a:pPr>
+          <a:endParaRPr lang="en-US"/>
+        </a:p>
+      </c:txPr>
+    </c:legend>
+    <c:plotVisOnly val="1"/>
+    <c:dispBlanksAs val="gap"/>
+    <c:extLst>
+      <c:ext xmlns:c16r3="http://schemas.microsoft.com/office/drawing/2017/03/chart" uri="{56B9EC1D-385E-4148-901F-78D8002777C0}">
+        <c16r3:dataDisplayOptions16>
+          <c16r3:dispNaAsBlank val="1"/>
+        </c16r3:dataDisplayOptions16>
+      </c:ext>
+    </c:extLst>
+    <c:showDLblsOverMax val="0"/>
+  </c:chart>
+  <c:spPr>
+    <a:noFill/>
+    <a:ln>
+      <a:noFill/>
+    </a:ln>
+    <a:effectLst/>
+  </c:spPr>
+  <c:txPr>
+    <a:bodyPr/>
+    <a:lstStyle/>
+    <a:p>
+      <a:pPr>
+        <a:defRPr/>
+      </a:pPr>
+      <a:endParaRPr lang="en-US"/>
+    </a:p>
+  </c:txPr>
+  <c:externalData r:id="rId3">
+    <c:autoUpdate val="0"/>
+  </c:externalData>
+</c:chartSpace>
+</file>
+
+<file path=ppt/charts/chart2.xml><?xml version="1.0" encoding="utf-8"?>
+<c:chartSpace xmlns:c="http://schemas.openxmlformats.org/drawingml/2006/chart" xmlns:a="http://schemas.openxmlformats.org/drawingml/2006/main" xmlns:r="http://schemas.openxmlformats.org/officeDocument/2006/relationships" xmlns:c16r2="http://schemas.microsoft.com/office/drawing/2015/06/chart">
+  <c:date1904 val="0"/>
+  <c:lang val="en-US"/>
+  <c:roundedCorners val="0"/>
+  <mc:AlternateContent xmlns:mc="http://schemas.openxmlformats.org/markup-compatibility/2006">
+    <mc:Choice xmlns:c14="http://schemas.microsoft.com/office/drawing/2007/8/2/chart" Requires="c14">
+      <c14:style val="102"/>
+    </mc:Choice>
+    <mc:Fallback>
+      <c:style val="2"/>
+    </mc:Fallback>
+  </mc:AlternateContent>
+  <c:chart>
+    <c:autoTitleDeleted val="0"/>
+    <c:plotArea>
+      <c:layout/>
+      <c:bubbleChart>
+        <c:varyColors val="0"/>
+        <c:ser>
+          <c:idx val="0"/>
+          <c:order val="0"/>
+          <c:spPr>
+            <a:solidFill>
+              <a:schemeClr val="accent1"/>
+            </a:solidFill>
+            <a:ln w="19050">
+              <a:solidFill>
+                <a:schemeClr val="lt1"/>
+              </a:solidFill>
+            </a:ln>
+            <a:effectLst/>
+          </c:spPr>
+          <c:invertIfNegative val="0"/>
+          <c:xVal>
+            <c:strRef>
+              <c:f>Sheet1!$A$6:$A$8</c:f>
+              <c:strCache>
+                <c:ptCount val="3"/>
+                <c:pt idx="0">
+                  <c:v>Value1</c:v>
+                </c:pt>
+                <c:pt idx="1">
+                  <c:v>Value2</c:v>
+                </c:pt>
+                <c:pt idx="2">
+                  <c:v>Product</c:v>
+                </c:pt>
+              </c:strCache>
+            </c:strRef>
+          </c:xVal>
+          <c:yVal>
+            <c:numRef>
+              <c:f>Sheet1!$B$6:$B$8</c:f>
+              <c:numCache>
+                <c:formatCode>General</c:formatCode>
+                <c:ptCount val="3"/>
+                <c:pt idx="0">
+                  <c:v>589</c:v>
+                </c:pt>
+                <c:pt idx="1">
+                  <c:v>854</c:v>
+                </c:pt>
+                <c:pt idx="2">
+                  <c:v>503006</c:v>
+                </c:pt>
+              </c:numCache>
+            </c:numRef>
+          </c:yVal>
+          <c:bubbleSize>
+            <c:numLit>
+              <c:formatCode>General</c:formatCode>
+              <c:ptCount val="3"/>
+              <c:pt idx="0">
+                <c:v>1</c:v>
+              </c:pt>
+              <c:pt idx="1">
+                <c:v>1</c:v>
+              </c:pt>
+              <c:pt idx="2">
+                <c:v>1</c:v>
+              </c:pt>
+            </c:numLit>
+          </c:bubbleSize>
+          <c:bubble3D val="1"/>
+          <c:extLst>
+            <c:ext xmlns:c16="http://schemas.microsoft.com/office/drawing/2014/chart" uri="{C3380CC4-5D6E-409C-BE32-E72D297353CC}">
+              <c16:uniqueId val="{00000000-6CEC-4BB1-822F-6215B8A139B6}"/>
+            </c:ext>
+          </c:extLst>
+        </c:ser>
+        <c:ser>
+          <c:idx val="1"/>
+          <c:order val="1"/>
+          <c:spPr>
+            <a:solidFill>
+              <a:schemeClr val="accent2"/>
+            </a:solidFill>
+            <a:ln w="19050">
+              <a:solidFill>
+                <a:schemeClr val="lt1"/>
+              </a:solidFill>
+            </a:ln>
+            <a:effectLst/>
+          </c:spPr>
+          <c:invertIfNegative val="0"/>
+          <c:xVal>
+            <c:strRef>
+              <c:f>Sheet1!$A$6:$A$8</c:f>
+              <c:strCache>
+                <c:ptCount val="3"/>
+                <c:pt idx="0">
+                  <c:v>Value1</c:v>
+                </c:pt>
+                <c:pt idx="1">
+                  <c:v>Value2</c:v>
+                </c:pt>
+                <c:pt idx="2">
+                  <c:v>Product</c:v>
+                </c:pt>
+              </c:strCache>
+            </c:strRef>
+          </c:xVal>
+          <c:yVal>
+            <c:numRef>
+              <c:f>Sheet1!$C$6:$C$8</c:f>
+              <c:numCache>
+                <c:formatCode>General</c:formatCode>
+                <c:ptCount val="3"/>
+                <c:pt idx="0">
+                  <c:v>517</c:v>
+                </c:pt>
+                <c:pt idx="1">
+                  <c:v>928</c:v>
+                </c:pt>
+                <c:pt idx="2">
+                  <c:v>479776</c:v>
+                </c:pt>
+              </c:numCache>
+            </c:numRef>
+          </c:yVal>
+          <c:bubbleSize>
+            <c:numLit>
+              <c:formatCode>General</c:formatCode>
+              <c:ptCount val="3"/>
+              <c:pt idx="0">
+                <c:v>1</c:v>
+              </c:pt>
+              <c:pt idx="1">
+                <c:v>1</c:v>
+              </c:pt>
+              <c:pt idx="2">
+                <c:v>1</c:v>
+              </c:pt>
+            </c:numLit>
+          </c:bubbleSize>
+          <c:bubble3D val="1"/>
+          <c:extLst>
+            <c:ext xmlns:c16="http://schemas.microsoft.com/office/drawing/2014/chart" uri="{C3380CC4-5D6E-409C-BE32-E72D297353CC}">
+              <c16:uniqueId val="{00000001-6CEC-4BB1-822F-6215B8A139B6}"/>
+            </c:ext>
+          </c:extLst>
+        </c:ser>
+        <c:ser>
+          <c:idx val="2"/>
+          <c:order val="2"/>
+          <c:spPr>
+            <a:solidFill>
+              <a:schemeClr val="accent3"/>
+            </a:solidFill>
+            <a:ln w="19050">
+              <a:solidFill>
+                <a:schemeClr val="lt1"/>
+              </a:solidFill>
+            </a:ln>
+            <a:effectLst/>
+          </c:spPr>
+          <c:invertIfNegative val="0"/>
+          <c:xVal>
+            <c:strRef>
+              <c:f>Sheet1!$A$6:$A$8</c:f>
+              <c:strCache>
+                <c:ptCount val="3"/>
+                <c:pt idx="0">
+                  <c:v>Value1</c:v>
+                </c:pt>
+                <c:pt idx="1">
+                  <c:v>Value2</c:v>
+                </c:pt>
+                <c:pt idx="2">
+                  <c:v>Product</c:v>
+                </c:pt>
+              </c:strCache>
+            </c:strRef>
+          </c:xVal>
+          <c:yVal>
+            <c:numRef>
+              <c:f>Sheet1!$D$6:$D$8</c:f>
+              <c:numCache>
+                <c:formatCode>General</c:formatCode>
+                <c:ptCount val="3"/>
+                <c:pt idx="0">
+                  <c:v>82</c:v>
+                </c:pt>
+                <c:pt idx="1">
+                  <c:v>659</c:v>
+                </c:pt>
+                <c:pt idx="2">
+                  <c:v>54038</c:v>
+                </c:pt>
+              </c:numCache>
+            </c:numRef>
+          </c:yVal>
+          <c:bubbleSize>
+            <c:numLit>
+              <c:formatCode>General</c:formatCode>
+              <c:ptCount val="3"/>
+              <c:pt idx="0">
+                <c:v>1</c:v>
+              </c:pt>
+              <c:pt idx="1">
+                <c:v>1</c:v>
+              </c:pt>
+              <c:pt idx="2">
+                <c:v>1</c:v>
+              </c:pt>
+            </c:numLit>
+          </c:bubbleSize>
+          <c:bubble3D val="1"/>
+          <c:extLst>
+            <c:ext xmlns:c16="http://schemas.microsoft.com/office/drawing/2014/chart" uri="{C3380CC4-5D6E-409C-BE32-E72D297353CC}">
+              <c16:uniqueId val="{00000002-6CEC-4BB1-822F-6215B8A139B6}"/>
+            </c:ext>
+          </c:extLst>
+        </c:ser>
+        <c:ser>
+          <c:idx val="3"/>
+          <c:order val="3"/>
+          <c:spPr>
+            <a:solidFill>
+              <a:schemeClr val="accent4"/>
+            </a:solidFill>
+            <a:ln w="19050">
+              <a:solidFill>
+                <a:schemeClr val="lt1"/>
+              </a:solidFill>
+            </a:ln>
+            <a:effectLst/>
+          </c:spPr>
+          <c:invertIfNegative val="0"/>
+          <c:xVal>
+            <c:strRef>
+              <c:f>Sheet1!$A$6:$A$8</c:f>
+              <c:strCache>
+                <c:ptCount val="3"/>
+                <c:pt idx="0">
+                  <c:v>Value1</c:v>
+                </c:pt>
+                <c:pt idx="1">
+                  <c:v>Value2</c:v>
+                </c:pt>
+                <c:pt idx="2">
+                  <c:v>Product</c:v>
+                </c:pt>
+              </c:strCache>
+            </c:strRef>
+          </c:xVal>
+          <c:yVal>
+            <c:numRef>
+              <c:f>Sheet1!$E$6:$E$8</c:f>
+              <c:numCache>
+                <c:formatCode>General</c:formatCode>
+                <c:ptCount val="3"/>
+                <c:pt idx="0">
+                  <c:v>994</c:v>
+                </c:pt>
+                <c:pt idx="1">
+                  <c:v>313</c:v>
+                </c:pt>
+                <c:pt idx="2">
+                  <c:v>311122</c:v>
+                </c:pt>
+              </c:numCache>
+            </c:numRef>
+          </c:yVal>
+          <c:bubbleSize>
+            <c:numLit>
+              <c:formatCode>General</c:formatCode>
+              <c:ptCount val="3"/>
+              <c:pt idx="0">
+                <c:v>1</c:v>
+              </c:pt>
+              <c:pt idx="1">
+                <c:v>1</c:v>
+              </c:pt>
+              <c:pt idx="2">
+                <c:v>1</c:v>
+              </c:pt>
+            </c:numLit>
+          </c:bubbleSize>
+          <c:bubble3D val="1"/>
+          <c:extLst>
+            <c:ext xmlns:c16="http://schemas.microsoft.com/office/drawing/2014/chart" uri="{C3380CC4-5D6E-409C-BE32-E72D297353CC}">
+              <c16:uniqueId val="{00000003-6CEC-4BB1-822F-6215B8A139B6}"/>
+            </c:ext>
+          </c:extLst>
+        </c:ser>
+        <c:ser>
+          <c:idx val="4"/>
+          <c:order val="4"/>
+          <c:spPr>
+            <a:solidFill>
+              <a:schemeClr val="accent5"/>
+            </a:solidFill>
+            <a:ln w="19050">
+              <a:solidFill>
+                <a:schemeClr val="lt1"/>
+              </a:solidFill>
+            </a:ln>
+            <a:effectLst/>
+          </c:spPr>
+          <c:invertIfNegative val="0"/>
+          <c:xVal>
+            <c:strRef>
+              <c:f>Sheet1!$A$6:$A$8</c:f>
+              <c:strCache>
+                <c:ptCount val="3"/>
+                <c:pt idx="0">
+                  <c:v>Value1</c:v>
+                </c:pt>
+                <c:pt idx="1">
+                  <c:v>Value2</c:v>
+                </c:pt>
+                <c:pt idx="2">
+                  <c:v>Product</c:v>
+                </c:pt>
+              </c:strCache>
+            </c:strRef>
+          </c:xVal>
+          <c:yVal>
+            <c:numRef>
+              <c:f>Sheet1!$F$6:$F$8</c:f>
+              <c:numCache>
+                <c:formatCode>General</c:formatCode>
+                <c:ptCount val="3"/>
+                <c:pt idx="0">
+                  <c:v>603</c:v>
+                </c:pt>
+                <c:pt idx="1">
+                  <c:v>3</c:v>
+                </c:pt>
+                <c:pt idx="2">
+                  <c:v>1809</c:v>
+                </c:pt>
+              </c:numCache>
+            </c:numRef>
+          </c:yVal>
+          <c:bubbleSize>
+            <c:numLit>
+              <c:formatCode>General</c:formatCode>
+              <c:ptCount val="3"/>
+              <c:pt idx="0">
+                <c:v>1</c:v>
+              </c:pt>
+              <c:pt idx="1">
+                <c:v>1</c:v>
+              </c:pt>
+              <c:pt idx="2">
+                <c:v>1</c:v>
+              </c:pt>
+            </c:numLit>
+          </c:bubbleSize>
+          <c:bubble3D val="1"/>
+          <c:extLst>
+            <c:ext xmlns:c16="http://schemas.microsoft.com/office/drawing/2014/chart" uri="{C3380CC4-5D6E-409C-BE32-E72D297353CC}">
+              <c16:uniqueId val="{00000004-6CEC-4BB1-822F-6215B8A139B6}"/>
+            </c:ext>
+          </c:extLst>
+        </c:ser>
+        <c:ser>
+          <c:idx val="5"/>
+          <c:order val="5"/>
+          <c:spPr>
+            <a:solidFill>
+              <a:schemeClr val="accent6"/>
+            </a:solidFill>
+            <a:ln w="19050">
+              <a:solidFill>
+                <a:schemeClr val="lt1"/>
+              </a:solidFill>
+            </a:ln>
+            <a:effectLst/>
+          </c:spPr>
+          <c:invertIfNegative val="0"/>
+          <c:xVal>
+            <c:strRef>
+              <c:f>Sheet1!$A$6:$A$8</c:f>
+              <c:strCache>
+                <c:ptCount val="3"/>
+                <c:pt idx="0">
+                  <c:v>Value1</c:v>
+                </c:pt>
+                <c:pt idx="1">
+                  <c:v>Value2</c:v>
+                </c:pt>
+                <c:pt idx="2">
+                  <c:v>Product</c:v>
+                </c:pt>
+              </c:strCache>
+            </c:strRef>
+          </c:xVal>
+          <c:yVal>
+            <c:numRef>
+              <c:f>Sheet1!$G$6:$G$8</c:f>
+              <c:numCache>
+                <c:formatCode>General</c:formatCode>
+                <c:ptCount val="3"/>
+                <c:pt idx="0">
+                  <c:v>729</c:v>
+                </c:pt>
+                <c:pt idx="1">
+                  <c:v>217</c:v>
+                </c:pt>
+                <c:pt idx="2">
+                  <c:v>158193</c:v>
+                </c:pt>
+              </c:numCache>
+            </c:numRef>
+          </c:yVal>
+          <c:bubbleSize>
+            <c:numLit>
+              <c:formatCode>General</c:formatCode>
+              <c:ptCount val="3"/>
+              <c:pt idx="0">
+                <c:v>1</c:v>
+              </c:pt>
+              <c:pt idx="1">
+                <c:v>1</c:v>
+              </c:pt>
+              <c:pt idx="2">
+                <c:v>1</c:v>
+              </c:pt>
+            </c:numLit>
+          </c:bubbleSize>
+          <c:bubble3D val="1"/>
+          <c:extLst>
+            <c:ext xmlns:c16="http://schemas.microsoft.com/office/drawing/2014/chart" uri="{C3380CC4-5D6E-409C-BE32-E72D297353CC}">
+              <c16:uniqueId val="{00000005-6CEC-4BB1-822F-6215B8A139B6}"/>
+            </c:ext>
+          </c:extLst>
+        </c:ser>
+        <c:ser>
+          <c:idx val="6"/>
+          <c:order val="6"/>
+          <c:spPr>
+            <a:solidFill>
+              <a:schemeClr val="accent1">
+                <a:lumMod val="60000"/>
+              </a:schemeClr>
+            </a:solidFill>
+            <a:ln w="19050">
+              <a:solidFill>
+                <a:schemeClr val="lt1"/>
+              </a:solidFill>
+            </a:ln>
+            <a:effectLst/>
+          </c:spPr>
+          <c:invertIfNegative val="0"/>
+          <c:xVal>
+            <c:strRef>
+              <c:f>Sheet1!$A$6:$A$8</c:f>
+              <c:strCache>
+                <c:ptCount val="3"/>
+                <c:pt idx="0">
+                  <c:v>Value1</c:v>
+                </c:pt>
+                <c:pt idx="1">
+                  <c:v>Value2</c:v>
+                </c:pt>
+                <c:pt idx="2">
+                  <c:v>Product</c:v>
+                </c:pt>
+              </c:strCache>
+            </c:strRef>
+          </c:xVal>
+          <c:yVal>
+            <c:numRef>
+              <c:f>Sheet1!$H$6:$H$8</c:f>
+              <c:numCache>
+                <c:formatCode>General</c:formatCode>
+                <c:ptCount val="3"/>
+                <c:pt idx="0">
+                  <c:v>561</c:v>
+                </c:pt>
+                <c:pt idx="1">
+                  <c:v>454</c:v>
+                </c:pt>
+                <c:pt idx="2">
+                  <c:v>254694</c:v>
+                </c:pt>
+              </c:numCache>
+            </c:numRef>
+          </c:yVal>
+          <c:bubbleSize>
+            <c:numLit>
+              <c:formatCode>General</c:formatCode>
+              <c:ptCount val="3"/>
+              <c:pt idx="0">
+                <c:v>1</c:v>
+              </c:pt>
+              <c:pt idx="1">
+                <c:v>1</c:v>
+              </c:pt>
+              <c:pt idx="2">
+                <c:v>1</c:v>
+              </c:pt>
+            </c:numLit>
+          </c:bubbleSize>
+          <c:bubble3D val="1"/>
+          <c:extLst>
+            <c:ext xmlns:c16="http://schemas.microsoft.com/office/drawing/2014/chart" uri="{C3380CC4-5D6E-409C-BE32-E72D297353CC}">
+              <c16:uniqueId val="{00000006-6CEC-4BB1-822F-6215B8A139B6}"/>
+            </c:ext>
+          </c:extLst>
+        </c:ser>
+        <c:ser>
+          <c:idx val="7"/>
+          <c:order val="7"/>
+          <c:spPr>
+            <a:solidFill>
+              <a:schemeClr val="accent2">
+                <a:lumMod val="60000"/>
+              </a:schemeClr>
+            </a:solidFill>
+            <a:ln w="19050">
+              <a:solidFill>
+                <a:schemeClr val="lt1"/>
+              </a:solidFill>
+            </a:ln>
+            <a:effectLst/>
+          </c:spPr>
+          <c:invertIfNegative val="0"/>
+          <c:xVal>
+            <c:strRef>
+              <c:f>Sheet1!$A$6:$A$8</c:f>
+              <c:strCache>
+                <c:ptCount val="3"/>
+                <c:pt idx="0">
+                  <c:v>Value1</c:v>
+                </c:pt>
+                <c:pt idx="1">
+                  <c:v>Value2</c:v>
+                </c:pt>
+                <c:pt idx="2">
+                  <c:v>Product</c:v>
+                </c:pt>
+              </c:strCache>
+            </c:strRef>
+          </c:xVal>
+          <c:yVal>
+            <c:numRef>
+              <c:f>Sheet1!$I$6:$I$8</c:f>
+              <c:numCache>
+                <c:formatCode>General</c:formatCode>
+                <c:ptCount val="3"/>
+                <c:pt idx="0">
+                  <c:v>588</c:v>
+                </c:pt>
+                <c:pt idx="1">
+                  <c:v>577</c:v>
+                </c:pt>
+                <c:pt idx="2">
+                  <c:v>339276</c:v>
+                </c:pt>
+              </c:numCache>
+            </c:numRef>
+          </c:yVal>
+          <c:bubbleSize>
+            <c:numLit>
+              <c:formatCode>General</c:formatCode>
+              <c:ptCount val="3"/>
+              <c:pt idx="0">
+                <c:v>1</c:v>
+              </c:pt>
+              <c:pt idx="1">
+                <c:v>1</c:v>
+              </c:pt>
+              <c:pt idx="2">
+                <c:v>1</c:v>
+              </c:pt>
+            </c:numLit>
+          </c:bubbleSize>
+          <c:bubble3D val="1"/>
+          <c:extLst>
+            <c:ext xmlns:c16="http://schemas.microsoft.com/office/drawing/2014/chart" uri="{C3380CC4-5D6E-409C-BE32-E72D297353CC}">
+              <c16:uniqueId val="{00000007-6CEC-4BB1-822F-6215B8A139B6}"/>
+            </c:ext>
+          </c:extLst>
+        </c:ser>
+        <c:ser>
+          <c:idx val="8"/>
+          <c:order val="8"/>
+          <c:spPr>
+            <a:solidFill>
+              <a:schemeClr val="accent3">
+                <a:lumMod val="60000"/>
+              </a:schemeClr>
+            </a:solidFill>
+            <a:ln w="19050">
+              <a:solidFill>
+                <a:schemeClr val="lt1"/>
+              </a:solidFill>
+            </a:ln>
+            <a:effectLst/>
+          </c:spPr>
+          <c:invertIfNegative val="0"/>
+          <c:xVal>
+            <c:strRef>
+              <c:f>Sheet1!$A$6:$A$8</c:f>
+              <c:strCache>
+                <c:ptCount val="3"/>
+                <c:pt idx="0">
+                  <c:v>Value1</c:v>
+                </c:pt>
+                <c:pt idx="1">
+                  <c:v>Value2</c:v>
+                </c:pt>
+                <c:pt idx="2">
+                  <c:v>Product</c:v>
+                </c:pt>
+              </c:strCache>
+            </c:strRef>
+          </c:xVal>
+          <c:yVal>
+            <c:numRef>
+              <c:f>Sheet1!$J$6:$J$8</c:f>
+              <c:numCache>
+                <c:formatCode>General</c:formatCode>
+                <c:ptCount val="3"/>
+                <c:pt idx="0">
+                  <c:v>705</c:v>
+                </c:pt>
+                <c:pt idx="1">
+                  <c:v>583</c:v>
+                </c:pt>
+                <c:pt idx="2">
+                  <c:v>411015</c:v>
+                </c:pt>
+              </c:numCache>
+            </c:numRef>
+          </c:yVal>
+          <c:bubbleSize>
+            <c:numLit>
+              <c:formatCode>General</c:formatCode>
+              <c:ptCount val="3"/>
+              <c:pt idx="0">
+                <c:v>1</c:v>
+              </c:pt>
+              <c:pt idx="1">
+                <c:v>1</c:v>
+              </c:pt>
+              <c:pt idx="2">
+                <c:v>1</c:v>
+              </c:pt>
+            </c:numLit>
+          </c:bubbleSize>
+          <c:bubble3D val="1"/>
+          <c:extLst>
+            <c:ext xmlns:c16="http://schemas.microsoft.com/office/drawing/2014/chart" uri="{C3380CC4-5D6E-409C-BE32-E72D297353CC}">
+              <c16:uniqueId val="{00000008-6CEC-4BB1-822F-6215B8A139B6}"/>
+            </c:ext>
+          </c:extLst>
+        </c:ser>
+        <c:ser>
+          <c:idx val="9"/>
+          <c:order val="9"/>
+          <c:spPr>
+            <a:solidFill>
+              <a:schemeClr val="accent4">
+                <a:lumMod val="60000"/>
+              </a:schemeClr>
+            </a:solidFill>
+            <a:ln w="19050">
+              <a:solidFill>
+                <a:schemeClr val="lt1"/>
+              </a:solidFill>
+            </a:ln>
+            <a:effectLst/>
+          </c:spPr>
+          <c:invertIfNegative val="0"/>
+          <c:xVal>
+            <c:strRef>
+              <c:f>Sheet1!$A$6:$A$8</c:f>
+              <c:strCache>
+                <c:ptCount val="3"/>
+                <c:pt idx="0">
+                  <c:v>Value1</c:v>
+                </c:pt>
+                <c:pt idx="1">
+                  <c:v>Value2</c:v>
+                </c:pt>
+                <c:pt idx="2">
+                  <c:v>Product</c:v>
+                </c:pt>
+              </c:strCache>
+            </c:strRef>
+          </c:xVal>
+          <c:yVal>
+            <c:numRef>
+              <c:f>Sheet1!$K$6:$K$8</c:f>
+              <c:numCache>
+                <c:formatCode>General</c:formatCode>
+                <c:ptCount val="3"/>
+                <c:pt idx="0">
+                  <c:v>418</c:v>
+                </c:pt>
+                <c:pt idx="1">
+                  <c:v>129</c:v>
+                </c:pt>
+                <c:pt idx="2">
+                  <c:v>53922</c:v>
+                </c:pt>
+              </c:numCache>
+            </c:numRef>
+          </c:yVal>
+          <c:bubbleSize>
+            <c:numLit>
+              <c:formatCode>General</c:formatCode>
+              <c:ptCount val="3"/>
+              <c:pt idx="0">
+                <c:v>1</c:v>
+              </c:pt>
+              <c:pt idx="1">
+                <c:v>1</c:v>
+              </c:pt>
+              <c:pt idx="2">
+                <c:v>1</c:v>
+              </c:pt>
+            </c:numLit>
+          </c:bubbleSize>
+          <c:bubble3D val="1"/>
+          <c:extLst>
+            <c:ext xmlns:c16="http://schemas.microsoft.com/office/drawing/2014/chart" uri="{C3380CC4-5D6E-409C-BE32-E72D297353CC}">
+              <c16:uniqueId val="{00000009-6CEC-4BB1-822F-6215B8A139B6}"/>
+            </c:ext>
+          </c:extLst>
+        </c:ser>
+        <c:ser>
+          <c:idx val="10"/>
+          <c:order val="10"/>
+          <c:spPr>
+            <a:solidFill>
+              <a:schemeClr val="accent5">
+                <a:lumMod val="60000"/>
+              </a:schemeClr>
+            </a:solidFill>
+            <a:ln w="19050">
+              <a:solidFill>
+                <a:schemeClr val="lt1"/>
+              </a:solidFill>
+            </a:ln>
+            <a:effectLst/>
+          </c:spPr>
+          <c:invertIfNegative val="0"/>
+          <c:xVal>
+            <c:strRef>
+              <c:f>Sheet1!$A$6:$A$8</c:f>
+              <c:strCache>
+                <c:ptCount val="3"/>
+                <c:pt idx="0">
+                  <c:v>Value1</c:v>
+                </c:pt>
+                <c:pt idx="1">
+                  <c:v>Value2</c:v>
+                </c:pt>
+                <c:pt idx="2">
+                  <c:v>Product</c:v>
+                </c:pt>
+              </c:strCache>
+            </c:strRef>
+          </c:xVal>
+          <c:yVal>
+            <c:numRef>
+              <c:f>Sheet1!$L$6:$L$8</c:f>
+              <c:numCache>
+                <c:formatCode>General</c:formatCode>
+                <c:ptCount val="3"/>
+                <c:pt idx="0">
+                  <c:v>449</c:v>
+                </c:pt>
+                <c:pt idx="1">
+                  <c:v>366</c:v>
+                </c:pt>
+                <c:pt idx="2">
+                  <c:v>164334</c:v>
+                </c:pt>
+              </c:numCache>
+            </c:numRef>
+          </c:yVal>
+          <c:bubbleSize>
+            <c:numLit>
+              <c:formatCode>General</c:formatCode>
+              <c:ptCount val="3"/>
+              <c:pt idx="0">
+                <c:v>1</c:v>
+              </c:pt>
+              <c:pt idx="1">
+                <c:v>1</c:v>
+              </c:pt>
+              <c:pt idx="2">
+                <c:v>1</c:v>
+              </c:pt>
+            </c:numLit>
+          </c:bubbleSize>
+          <c:bubble3D val="1"/>
+          <c:extLst>
+            <c:ext xmlns:c16="http://schemas.microsoft.com/office/drawing/2014/chart" uri="{C3380CC4-5D6E-409C-BE32-E72D297353CC}">
+              <c16:uniqueId val="{0000000A-6CEC-4BB1-822F-6215B8A139B6}"/>
+            </c:ext>
+          </c:extLst>
+        </c:ser>
+        <c:ser>
+          <c:idx val="11"/>
+          <c:order val="11"/>
+          <c:spPr>
+            <a:solidFill>
+              <a:schemeClr val="accent6">
+                <a:lumMod val="60000"/>
+              </a:schemeClr>
+            </a:solidFill>
+            <a:ln w="19050">
+              <a:solidFill>
+                <a:schemeClr val="lt1"/>
+              </a:solidFill>
+            </a:ln>
+            <a:effectLst/>
+          </c:spPr>
+          <c:invertIfNegative val="0"/>
+          <c:xVal>
+            <c:strRef>
+              <c:f>Sheet1!$A$6:$A$8</c:f>
+              <c:strCache>
+                <c:ptCount val="3"/>
+                <c:pt idx="0">
+                  <c:v>Value1</c:v>
+                </c:pt>
+                <c:pt idx="1">
+                  <c:v>Value2</c:v>
+                </c:pt>
+                <c:pt idx="2">
+                  <c:v>Product</c:v>
+                </c:pt>
+              </c:strCache>
+            </c:strRef>
+          </c:xVal>
+          <c:yVal>
+            <c:numRef>
+              <c:f>Sheet1!$M$6:$M$8</c:f>
+              <c:numCache>
+                <c:formatCode>General</c:formatCode>
+                <c:ptCount val="3"/>
+                <c:pt idx="0">
+                  <c:v>842</c:v>
+                </c:pt>
+                <c:pt idx="1">
+                  <c:v>848</c:v>
+                </c:pt>
+                <c:pt idx="2">
+                  <c:v>714016</c:v>
+                </c:pt>
+              </c:numCache>
+            </c:numRef>
+          </c:yVal>
+          <c:bubbleSize>
+            <c:numLit>
+              <c:formatCode>General</c:formatCode>
+              <c:ptCount val="3"/>
+              <c:pt idx="0">
+                <c:v>1</c:v>
+              </c:pt>
+              <c:pt idx="1">
+                <c:v>1</c:v>
+              </c:pt>
+              <c:pt idx="2">
+                <c:v>1</c:v>
+              </c:pt>
+            </c:numLit>
+          </c:bubbleSize>
+          <c:bubble3D val="1"/>
+          <c:extLst>
+            <c:ext xmlns:c16="http://schemas.microsoft.com/office/drawing/2014/chart" uri="{C3380CC4-5D6E-409C-BE32-E72D297353CC}">
+              <c16:uniqueId val="{0000000B-6CEC-4BB1-822F-6215B8A139B6}"/>
+            </c:ext>
+          </c:extLst>
+        </c:ser>
+        <c:ser>
+          <c:idx val="12"/>
+          <c:order val="12"/>
+          <c:spPr>
+            <a:solidFill>
+              <a:schemeClr val="accent1">
+                <a:lumMod val="80000"/>
+                <a:lumOff val="20000"/>
+              </a:schemeClr>
+            </a:solidFill>
+            <a:ln w="19050">
+              <a:solidFill>
+                <a:schemeClr val="lt1"/>
+              </a:solidFill>
+            </a:ln>
+            <a:effectLst/>
+          </c:spPr>
+          <c:invertIfNegative val="0"/>
+          <c:xVal>
+            <c:strRef>
+              <c:f>Sheet1!$A$6:$A$8</c:f>
+              <c:strCache>
+                <c:ptCount val="3"/>
+                <c:pt idx="0">
+                  <c:v>Value1</c:v>
+                </c:pt>
+                <c:pt idx="1">
+                  <c:v>Value2</c:v>
+                </c:pt>
+                <c:pt idx="2">
+                  <c:v>Product</c:v>
+                </c:pt>
+              </c:strCache>
+            </c:strRef>
+          </c:xVal>
+          <c:yVal>
+            <c:numRef>
+              <c:f>Sheet1!$N$6:$N$8</c:f>
+              <c:numCache>
+                <c:formatCode>General</c:formatCode>
+                <c:ptCount val="3"/>
+                <c:pt idx="0">
+                  <c:v>775</c:v>
+                </c:pt>
+                <c:pt idx="1">
+                  <c:v>104</c:v>
+                </c:pt>
+                <c:pt idx="2">
+                  <c:v>80600</c:v>
+                </c:pt>
+              </c:numCache>
+            </c:numRef>
+          </c:yVal>
+          <c:bubbleSize>
+            <c:numLit>
+              <c:formatCode>General</c:formatCode>
+              <c:ptCount val="3"/>
+              <c:pt idx="0">
+                <c:v>1</c:v>
+              </c:pt>
+              <c:pt idx="1">
+                <c:v>1</c:v>
+              </c:pt>
+              <c:pt idx="2">
+                <c:v>1</c:v>
+              </c:pt>
+            </c:numLit>
+          </c:bubbleSize>
+          <c:bubble3D val="1"/>
+          <c:extLst>
+            <c:ext xmlns:c16="http://schemas.microsoft.com/office/drawing/2014/chart" uri="{C3380CC4-5D6E-409C-BE32-E72D297353CC}">
+              <c16:uniqueId val="{0000000C-6CEC-4BB1-822F-6215B8A139B6}"/>
+            </c:ext>
+          </c:extLst>
+        </c:ser>
+        <c:ser>
+          <c:idx val="13"/>
+          <c:order val="13"/>
+          <c:spPr>
+            <a:solidFill>
+              <a:schemeClr val="accent2">
+                <a:lumMod val="80000"/>
+                <a:lumOff val="20000"/>
+              </a:schemeClr>
+            </a:solidFill>
+            <a:ln w="19050">
+              <a:solidFill>
+                <a:schemeClr val="lt1"/>
+              </a:solidFill>
+            </a:ln>
+            <a:effectLst/>
+          </c:spPr>
+          <c:invertIfNegative val="0"/>
+          <c:xVal>
+            <c:strRef>
+              <c:f>Sheet1!$A$6:$A$8</c:f>
+              <c:strCache>
+                <c:ptCount val="3"/>
+                <c:pt idx="0">
+                  <c:v>Value1</c:v>
+                </c:pt>
+                <c:pt idx="1">
+                  <c:v>Value2</c:v>
+                </c:pt>
+                <c:pt idx="2">
+                  <c:v>Product</c:v>
+                </c:pt>
+              </c:strCache>
+            </c:strRef>
+          </c:xVal>
+          <c:yVal>
+            <c:numRef>
+              <c:f>Sheet1!$O$6:$O$8</c:f>
+              <c:numCache>
+                <c:formatCode>General</c:formatCode>
+                <c:ptCount val="3"/>
+                <c:pt idx="0">
+                  <c:v>425</c:v>
+                </c:pt>
+                <c:pt idx="1">
+                  <c:v>243</c:v>
+                </c:pt>
+                <c:pt idx="2">
+                  <c:v>103275</c:v>
+                </c:pt>
+              </c:numCache>
+            </c:numRef>
+          </c:yVal>
+          <c:bubbleSize>
+            <c:numLit>
+              <c:formatCode>General</c:formatCode>
+              <c:ptCount val="3"/>
+              <c:pt idx="0">
+                <c:v>1</c:v>
+              </c:pt>
+              <c:pt idx="1">
+                <c:v>1</c:v>
+              </c:pt>
+              <c:pt idx="2">
+                <c:v>1</c:v>
+              </c:pt>
+            </c:numLit>
+          </c:bubbleSize>
+          <c:bubble3D val="1"/>
+          <c:extLst>
+            <c:ext xmlns:c16="http://schemas.microsoft.com/office/drawing/2014/chart" uri="{C3380CC4-5D6E-409C-BE32-E72D297353CC}">
+              <c16:uniqueId val="{0000000D-6CEC-4BB1-822F-6215B8A139B6}"/>
+            </c:ext>
+          </c:extLst>
+        </c:ser>
+        <c:ser>
+          <c:idx val="14"/>
+          <c:order val="14"/>
+          <c:spPr>
+            <a:solidFill>
+              <a:schemeClr val="accent3">
+                <a:lumMod val="80000"/>
+                <a:lumOff val="20000"/>
+              </a:schemeClr>
+            </a:solidFill>
+            <a:ln w="19050">
+              <a:solidFill>
+                <a:schemeClr val="lt1"/>
+              </a:solidFill>
+            </a:ln>
+            <a:effectLst/>
+          </c:spPr>
+          <c:invertIfNegative val="0"/>
+          <c:xVal>
+            <c:strRef>
+              <c:f>Sheet1!$A$6:$A$8</c:f>
+              <c:strCache>
+                <c:ptCount val="3"/>
+                <c:pt idx="0">
+                  <c:v>Value1</c:v>
+                </c:pt>
+                <c:pt idx="1">
+                  <c:v>Value2</c:v>
+                </c:pt>
+                <c:pt idx="2">
+                  <c:v>Product</c:v>
+                </c:pt>
+              </c:strCache>
+            </c:strRef>
+          </c:xVal>
+          <c:yVal>
+            <c:numRef>
+              <c:f>Sheet1!$P$6:$P$8</c:f>
+              <c:numCache>
+                <c:formatCode>General</c:formatCode>
+                <c:ptCount val="3"/>
+                <c:pt idx="0">
+                  <c:v>842</c:v>
+                </c:pt>
+                <c:pt idx="1">
+                  <c:v>148</c:v>
+                </c:pt>
+                <c:pt idx="2">
+                  <c:v>124616</c:v>
+                </c:pt>
+              </c:numCache>
+            </c:numRef>
+          </c:yVal>
+          <c:bubbleSize>
+            <c:numLit>
+              <c:formatCode>General</c:formatCode>
+              <c:ptCount val="3"/>
+              <c:pt idx="0">
+                <c:v>1</c:v>
+              </c:pt>
+              <c:pt idx="1">
+                <c:v>1</c:v>
+              </c:pt>
+              <c:pt idx="2">
+                <c:v>1</c:v>
+              </c:pt>
+            </c:numLit>
+          </c:bubbleSize>
+          <c:bubble3D val="1"/>
+          <c:extLst>
+            <c:ext xmlns:c16="http://schemas.microsoft.com/office/drawing/2014/chart" uri="{C3380CC4-5D6E-409C-BE32-E72D297353CC}">
+              <c16:uniqueId val="{0000000E-6CEC-4BB1-822F-6215B8A139B6}"/>
+            </c:ext>
+          </c:extLst>
+        </c:ser>
+        <c:ser>
+          <c:idx val="15"/>
+          <c:order val="15"/>
+          <c:spPr>
+            <a:solidFill>
+              <a:schemeClr val="accent4">
+                <a:lumMod val="80000"/>
+                <a:lumOff val="20000"/>
+              </a:schemeClr>
+            </a:solidFill>
+            <a:ln w="19050">
+              <a:solidFill>
+                <a:schemeClr val="lt1"/>
+              </a:solidFill>
+            </a:ln>
+            <a:effectLst/>
+          </c:spPr>
+          <c:invertIfNegative val="0"/>
+          <c:xVal>
+            <c:strRef>
+              <c:f>Sheet1!$A$6:$A$8</c:f>
+              <c:strCache>
+                <c:ptCount val="3"/>
+                <c:pt idx="0">
+                  <c:v>Value1</c:v>
+                </c:pt>
+                <c:pt idx="1">
+                  <c:v>Value2</c:v>
+                </c:pt>
+                <c:pt idx="2">
+                  <c:v>Product</c:v>
+                </c:pt>
+              </c:strCache>
+            </c:strRef>
+          </c:xVal>
+          <c:yVal>
+            <c:numRef>
+              <c:f>Sheet1!$Q$6:$Q$8</c:f>
+              <c:numCache>
+                <c:formatCode>General</c:formatCode>
+                <c:ptCount val="3"/>
+                <c:pt idx="0">
+                  <c:v>197</c:v>
+                </c:pt>
+                <c:pt idx="1">
+                  <c:v>181</c:v>
+                </c:pt>
+                <c:pt idx="2">
+                  <c:v>35657</c:v>
+                </c:pt>
+              </c:numCache>
+            </c:numRef>
+          </c:yVal>
+          <c:bubbleSize>
+            <c:numLit>
+              <c:formatCode>General</c:formatCode>
+              <c:ptCount val="3"/>
+              <c:pt idx="0">
+                <c:v>1</c:v>
+              </c:pt>
+              <c:pt idx="1">
+                <c:v>1</c:v>
+              </c:pt>
+              <c:pt idx="2">
+                <c:v>1</c:v>
+              </c:pt>
+            </c:numLit>
+          </c:bubbleSize>
+          <c:bubble3D val="1"/>
+          <c:extLst>
+            <c:ext xmlns:c16="http://schemas.microsoft.com/office/drawing/2014/chart" uri="{C3380CC4-5D6E-409C-BE32-E72D297353CC}">
+              <c16:uniqueId val="{0000000F-6CEC-4BB1-822F-6215B8A139B6}"/>
+            </c:ext>
+          </c:extLst>
+        </c:ser>
+        <c:ser>
+          <c:idx val="16"/>
+          <c:order val="16"/>
+          <c:spPr>
+            <a:solidFill>
+              <a:schemeClr val="accent5">
+                <a:lumMod val="80000"/>
+                <a:lumOff val="20000"/>
+              </a:schemeClr>
+            </a:solidFill>
+            <a:ln w="19050">
+              <a:solidFill>
+                <a:schemeClr val="lt1"/>
+              </a:solidFill>
+            </a:ln>
+            <a:effectLst/>
+          </c:spPr>
+          <c:invertIfNegative val="0"/>
+          <c:xVal>
+            <c:strRef>
+              <c:f>Sheet1!$A$6:$A$8</c:f>
+              <c:strCache>
+                <c:ptCount val="3"/>
+                <c:pt idx="0">
+                  <c:v>Value1</c:v>
+                </c:pt>
+                <c:pt idx="1">
+                  <c:v>Value2</c:v>
+                </c:pt>
+                <c:pt idx="2">
+                  <c:v>Product</c:v>
+                </c:pt>
+              </c:strCache>
+            </c:strRef>
+          </c:xVal>
+          <c:yVal>
+            <c:numRef>
+              <c:f>Sheet1!$R$6:$R$8</c:f>
+              <c:numCache>
+                <c:formatCode>General</c:formatCode>
+                <c:ptCount val="3"/>
+                <c:pt idx="0">
+                  <c:v>254</c:v>
+                </c:pt>
+                <c:pt idx="1">
+                  <c:v>640</c:v>
+                </c:pt>
+                <c:pt idx="2">
+                  <c:v>162560</c:v>
+                </c:pt>
+              </c:numCache>
+            </c:numRef>
+          </c:yVal>
+          <c:bubbleSize>
+            <c:numLit>
+              <c:formatCode>General</c:formatCode>
+              <c:ptCount val="3"/>
+              <c:pt idx="0">
+                <c:v>1</c:v>
+              </c:pt>
+              <c:pt idx="1">
+                <c:v>1</c:v>
+              </c:pt>
+              <c:pt idx="2">
+                <c:v>1</c:v>
+              </c:pt>
+            </c:numLit>
+          </c:bubbleSize>
+          <c:bubble3D val="1"/>
+          <c:extLst>
+            <c:ext xmlns:c16="http://schemas.microsoft.com/office/drawing/2014/chart" uri="{C3380CC4-5D6E-409C-BE32-E72D297353CC}">
+              <c16:uniqueId val="{00000010-6CEC-4BB1-822F-6215B8A139B6}"/>
+            </c:ext>
+          </c:extLst>
+        </c:ser>
+        <c:ser>
+          <c:idx val="17"/>
+          <c:order val="17"/>
+          <c:spPr>
+            <a:solidFill>
+              <a:schemeClr val="accent6">
+                <a:lumMod val="80000"/>
+                <a:lumOff val="20000"/>
+              </a:schemeClr>
+            </a:solidFill>
+            <a:ln w="19050">
+              <a:solidFill>
+                <a:schemeClr val="lt1"/>
+              </a:solidFill>
+            </a:ln>
+            <a:effectLst/>
+          </c:spPr>
+          <c:invertIfNegative val="0"/>
+          <c:xVal>
+            <c:strRef>
+              <c:f>Sheet1!$A$6:$A$8</c:f>
+              <c:strCache>
+                <c:ptCount val="3"/>
+                <c:pt idx="0">
+                  <c:v>Value1</c:v>
+                </c:pt>
+                <c:pt idx="1">
+                  <c:v>Value2</c:v>
+                </c:pt>
+                <c:pt idx="2">
+                  <c:v>Product</c:v>
+                </c:pt>
+              </c:strCache>
+            </c:strRef>
+          </c:xVal>
+          <c:yVal>
+            <c:numRef>
+              <c:f>Sheet1!$S$6:$S$8</c:f>
+              <c:numCache>
+                <c:formatCode>General</c:formatCode>
+                <c:ptCount val="3"/>
+                <c:pt idx="0">
+                  <c:v>948</c:v>
+                </c:pt>
+                <c:pt idx="1">
+                  <c:v>873</c:v>
+                </c:pt>
+                <c:pt idx="2">
+                  <c:v>827604</c:v>
+                </c:pt>
+              </c:numCache>
+            </c:numRef>
+          </c:yVal>
+          <c:bubbleSize>
+            <c:numLit>
+              <c:formatCode>General</c:formatCode>
+              <c:ptCount val="3"/>
+              <c:pt idx="0">
+                <c:v>1</c:v>
+              </c:pt>
+              <c:pt idx="1">
+                <c:v>1</c:v>
+              </c:pt>
+              <c:pt idx="2">
+                <c:v>1</c:v>
+              </c:pt>
+            </c:numLit>
+          </c:bubbleSize>
+          <c:bubble3D val="1"/>
+          <c:extLst>
+            <c:ext xmlns:c16="http://schemas.microsoft.com/office/drawing/2014/chart" uri="{C3380CC4-5D6E-409C-BE32-E72D297353CC}">
+              <c16:uniqueId val="{00000011-6CEC-4BB1-822F-6215B8A139B6}"/>
+            </c:ext>
+          </c:extLst>
+        </c:ser>
+        <c:ser>
+          <c:idx val="18"/>
+          <c:order val="18"/>
+          <c:spPr>
+            <a:solidFill>
+              <a:schemeClr val="accent1">
+                <a:lumMod val="80000"/>
+              </a:schemeClr>
+            </a:solidFill>
+            <a:ln w="19050">
+              <a:solidFill>
+                <a:schemeClr val="lt1"/>
+              </a:solidFill>
+            </a:ln>
+            <a:effectLst/>
+          </c:spPr>
+          <c:invertIfNegative val="0"/>
+          <c:xVal>
+            <c:strRef>
+              <c:f>Sheet1!$A$6:$A$8</c:f>
+              <c:strCache>
+                <c:ptCount val="3"/>
+                <c:pt idx="0">
+                  <c:v>Value1</c:v>
+                </c:pt>
+                <c:pt idx="1">
+                  <c:v>Value2</c:v>
+                </c:pt>
+                <c:pt idx="2">
+                  <c:v>Product</c:v>
+                </c:pt>
+              </c:strCache>
+            </c:strRef>
+          </c:xVal>
+          <c:yVal>
+            <c:numRef>
+              <c:f>Sheet1!$T$6:$T$8</c:f>
+              <c:numCache>
+                <c:formatCode>General</c:formatCode>
+                <c:ptCount val="3"/>
+                <c:pt idx="0">
+                  <c:v>127</c:v>
+                </c:pt>
+                <c:pt idx="1">
+                  <c:v>689</c:v>
+                </c:pt>
+                <c:pt idx="2">
+                  <c:v>87503</c:v>
+                </c:pt>
+              </c:numCache>
+            </c:numRef>
+          </c:yVal>
+          <c:bubbleSize>
+            <c:numLit>
+              <c:formatCode>General</c:formatCode>
+              <c:ptCount val="3"/>
+              <c:pt idx="0">
+                <c:v>1</c:v>
+              </c:pt>
+              <c:pt idx="1">
+                <c:v>1</c:v>
+              </c:pt>
+              <c:pt idx="2">
+                <c:v>1</c:v>
+              </c:pt>
+            </c:numLit>
+          </c:bubbleSize>
+          <c:bubble3D val="1"/>
+          <c:extLst>
+            <c:ext xmlns:c16="http://schemas.microsoft.com/office/drawing/2014/chart" uri="{C3380CC4-5D6E-409C-BE32-E72D297353CC}">
+              <c16:uniqueId val="{00000012-6CEC-4BB1-822F-6215B8A139B6}"/>
+            </c:ext>
+          </c:extLst>
+        </c:ser>
+        <c:ser>
+          <c:idx val="19"/>
+          <c:order val="19"/>
+          <c:spPr>
+            <a:solidFill>
+              <a:schemeClr val="accent2">
+                <a:lumMod val="80000"/>
+              </a:schemeClr>
+            </a:solidFill>
+            <a:ln w="19050">
+              <a:solidFill>
+                <a:schemeClr val="lt1"/>
+              </a:solidFill>
+            </a:ln>
+            <a:effectLst/>
+          </c:spPr>
+          <c:invertIfNegative val="0"/>
+          <c:xVal>
+            <c:strRef>
+              <c:f>Sheet1!$A$6:$A$8</c:f>
+              <c:strCache>
+                <c:ptCount val="3"/>
+                <c:pt idx="0">
+                  <c:v>Value1</c:v>
+                </c:pt>
+                <c:pt idx="1">
+                  <c:v>Value2</c:v>
+                </c:pt>
+                <c:pt idx="2">
+                  <c:v>Product</c:v>
+                </c:pt>
+              </c:strCache>
+            </c:strRef>
+          </c:xVal>
+          <c:yVal>
+            <c:numRef>
+              <c:f>Sheet1!$U$6:$U$8</c:f>
+              <c:numCache>
+                <c:formatCode>General</c:formatCode>
+                <c:ptCount val="3"/>
+                <c:pt idx="0">
+                  <c:v>147</c:v>
+                </c:pt>
+                <c:pt idx="1">
+                  <c:v>430</c:v>
+                </c:pt>
+                <c:pt idx="2">
+                  <c:v>63210</c:v>
+                </c:pt>
+              </c:numCache>
+            </c:numRef>
+          </c:yVal>
+          <c:bubbleSize>
+            <c:numLit>
+              <c:formatCode>General</c:formatCode>
+              <c:ptCount val="3"/>
+              <c:pt idx="0">
+                <c:v>1</c:v>
+              </c:pt>
+              <c:pt idx="1">
+                <c:v>1</c:v>
+              </c:pt>
+              <c:pt idx="2">
+                <c:v>1</c:v>
+              </c:pt>
+            </c:numLit>
+          </c:bubbleSize>
+          <c:bubble3D val="1"/>
+          <c:extLst>
+            <c:ext xmlns:c16="http://schemas.microsoft.com/office/drawing/2014/chart" uri="{C3380CC4-5D6E-409C-BE32-E72D297353CC}">
+              <c16:uniqueId val="{00000013-6CEC-4BB1-822F-6215B8A139B6}"/>
+            </c:ext>
+          </c:extLst>
+        </c:ser>
+        <c:ser>
+          <c:idx val="20"/>
+          <c:order val="20"/>
+          <c:spPr>
+            <a:solidFill>
+              <a:schemeClr val="accent3">
+                <a:lumMod val="80000"/>
+              </a:schemeClr>
+            </a:solidFill>
+            <a:ln w="19050">
+              <a:solidFill>
+                <a:schemeClr val="lt1"/>
+              </a:solidFill>
+            </a:ln>
+            <a:effectLst/>
+          </c:spPr>
+          <c:invertIfNegative val="0"/>
+          <c:xVal>
+            <c:strRef>
+              <c:f>Sheet1!$A$6:$A$8</c:f>
+              <c:strCache>
+                <c:ptCount val="3"/>
+                <c:pt idx="0">
+                  <c:v>Value1</c:v>
+                </c:pt>
+                <c:pt idx="1">
+                  <c:v>Value2</c:v>
+                </c:pt>
+                <c:pt idx="2">
+                  <c:v>Product</c:v>
+                </c:pt>
+              </c:strCache>
+            </c:strRef>
+          </c:xVal>
+          <c:yVal>
+            <c:numRef>
+              <c:f>Sheet1!$V$6:$V$8</c:f>
+              <c:numCache>
+                <c:formatCode>General</c:formatCode>
+                <c:ptCount val="3"/>
+                <c:pt idx="0">
+                  <c:v>476</c:v>
+                </c:pt>
+                <c:pt idx="1">
+                  <c:v>718</c:v>
+                </c:pt>
+                <c:pt idx="2">
+                  <c:v>341768</c:v>
+                </c:pt>
+              </c:numCache>
+            </c:numRef>
+          </c:yVal>
+          <c:bubbleSize>
+            <c:numLit>
+              <c:formatCode>General</c:formatCode>
+              <c:ptCount val="3"/>
+              <c:pt idx="0">
+                <c:v>1</c:v>
+              </c:pt>
+              <c:pt idx="1">
+                <c:v>1</c:v>
+              </c:pt>
+              <c:pt idx="2">
+                <c:v>1</c:v>
+              </c:pt>
+            </c:numLit>
+          </c:bubbleSize>
+          <c:bubble3D val="1"/>
+          <c:extLst>
+            <c:ext xmlns:c16="http://schemas.microsoft.com/office/drawing/2014/chart" uri="{C3380CC4-5D6E-409C-BE32-E72D297353CC}">
+              <c16:uniqueId val="{00000014-6CEC-4BB1-822F-6215B8A139B6}"/>
+            </c:ext>
+          </c:extLst>
+        </c:ser>
+        <c:ser>
+          <c:idx val="21"/>
+          <c:order val="21"/>
+          <c:spPr>
+            <a:solidFill>
+              <a:schemeClr val="accent4">
+                <a:lumMod val="80000"/>
+              </a:schemeClr>
+            </a:solidFill>
+            <a:ln w="19050">
+              <a:solidFill>
+                <a:schemeClr val="lt1"/>
+              </a:solidFill>
+            </a:ln>
+            <a:effectLst/>
+          </c:spPr>
+          <c:invertIfNegative val="0"/>
+          <c:xVal>
+            <c:strRef>
+              <c:f>Sheet1!$A$6:$A$8</c:f>
+              <c:strCache>
+                <c:ptCount val="3"/>
+                <c:pt idx="0">
+                  <c:v>Value1</c:v>
+                </c:pt>
+                <c:pt idx="1">
+                  <c:v>Value2</c:v>
+                </c:pt>
+                <c:pt idx="2">
+                  <c:v>Product</c:v>
+                </c:pt>
+              </c:strCache>
+            </c:strRef>
+          </c:xVal>
+          <c:yVal>
+            <c:numRef>
+              <c:f>Sheet1!$W$6:$W$8</c:f>
+              <c:numCache>
+                <c:formatCode>General</c:formatCode>
+                <c:ptCount val="3"/>
+                <c:pt idx="0">
+                  <c:v>96</c:v>
+                </c:pt>
+                <c:pt idx="1">
+                  <c:v>44</c:v>
+                </c:pt>
+                <c:pt idx="2">
+                  <c:v>4224</c:v>
+                </c:pt>
+              </c:numCache>
+            </c:numRef>
+          </c:yVal>
+          <c:bubbleSize>
+            <c:numLit>
+              <c:formatCode>General</c:formatCode>
+              <c:ptCount val="3"/>
+              <c:pt idx="0">
+                <c:v>1</c:v>
+              </c:pt>
+              <c:pt idx="1">
+                <c:v>1</c:v>
+              </c:pt>
+              <c:pt idx="2">
+                <c:v>1</c:v>
+              </c:pt>
+            </c:numLit>
+          </c:bubbleSize>
+          <c:bubble3D val="1"/>
+          <c:extLst>
+            <c:ext xmlns:c16="http://schemas.microsoft.com/office/drawing/2014/chart" uri="{C3380CC4-5D6E-409C-BE32-E72D297353CC}">
+              <c16:uniqueId val="{00000015-6CEC-4BB1-822F-6215B8A139B6}"/>
+            </c:ext>
+          </c:extLst>
+        </c:ser>
+        <c:ser>
+          <c:idx val="22"/>
+          <c:order val="22"/>
+          <c:spPr>
+            <a:solidFill>
+              <a:schemeClr val="accent5">
+                <a:lumMod val="80000"/>
+              </a:schemeClr>
+            </a:solidFill>
+            <a:ln w="19050">
+              <a:solidFill>
+                <a:schemeClr val="lt1"/>
+              </a:solidFill>
+            </a:ln>
+            <a:effectLst/>
+          </c:spPr>
+          <c:invertIfNegative val="0"/>
+          <c:xVal>
+            <c:strRef>
+              <c:f>Sheet1!$A$6:$A$8</c:f>
+              <c:strCache>
+                <c:ptCount val="3"/>
+                <c:pt idx="0">
+                  <c:v>Value1</c:v>
+                </c:pt>
+                <c:pt idx="1">
+                  <c:v>Value2</c:v>
+                </c:pt>
+                <c:pt idx="2">
+                  <c:v>Product</c:v>
+                </c:pt>
+              </c:strCache>
+            </c:strRef>
+          </c:xVal>
+          <c:yVal>
+            <c:numRef>
+              <c:f>Sheet1!$X$6:$X$8</c:f>
+              <c:numCache>
+                <c:formatCode>General</c:formatCode>
+                <c:ptCount val="3"/>
+                <c:pt idx="0">
+                  <c:v>179</c:v>
+                </c:pt>
+                <c:pt idx="1">
+                  <c:v>145</c:v>
+                </c:pt>
+                <c:pt idx="2">
+                  <c:v>25955</c:v>
+                </c:pt>
+              </c:numCache>
+            </c:numRef>
+          </c:yVal>
+          <c:bubbleSize>
+            <c:numLit>
+              <c:formatCode>General</c:formatCode>
+              <c:ptCount val="3"/>
+              <c:pt idx="0">
+                <c:v>1</c:v>
+              </c:pt>
+              <c:pt idx="1">
+                <c:v>1</c:v>
+              </c:pt>
+              <c:pt idx="2">
+                <c:v>1</c:v>
+              </c:pt>
+            </c:numLit>
+          </c:bubbleSize>
+          <c:bubble3D val="1"/>
+          <c:extLst>
+            <c:ext xmlns:c16="http://schemas.microsoft.com/office/drawing/2014/chart" uri="{C3380CC4-5D6E-409C-BE32-E72D297353CC}">
+              <c16:uniqueId val="{00000016-6CEC-4BB1-822F-6215B8A139B6}"/>
+            </c:ext>
+          </c:extLst>
+        </c:ser>
+        <c:ser>
+          <c:idx val="23"/>
+          <c:order val="23"/>
+          <c:spPr>
+            <a:solidFill>
+              <a:schemeClr val="accent6">
+                <a:lumMod val="80000"/>
+              </a:schemeClr>
+            </a:solidFill>
+            <a:ln w="19050">
+              <a:solidFill>
+                <a:schemeClr val="lt1"/>
+              </a:solidFill>
+            </a:ln>
+            <a:effectLst/>
+          </c:spPr>
+          <c:invertIfNegative val="0"/>
+          <c:xVal>
+            <c:strRef>
+              <c:f>Sheet1!$A$6:$A$8</c:f>
+              <c:strCache>
+                <c:ptCount val="3"/>
+                <c:pt idx="0">
+                  <c:v>Value1</c:v>
+                </c:pt>
+                <c:pt idx="1">
+                  <c:v>Value2</c:v>
+                </c:pt>
+                <c:pt idx="2">
+                  <c:v>Product</c:v>
+                </c:pt>
+              </c:strCache>
+            </c:strRef>
+          </c:xVal>
+          <c:yVal>
+            <c:numRef>
+              <c:f>Sheet1!$Y$6:$Y$8</c:f>
+              <c:numCache>
+                <c:formatCode>General</c:formatCode>
+                <c:ptCount val="3"/>
+                <c:pt idx="0">
+                  <c:v>174</c:v>
+                </c:pt>
+                <c:pt idx="1">
+                  <c:v>903</c:v>
+                </c:pt>
+                <c:pt idx="2">
+                  <c:v>157122</c:v>
+                </c:pt>
+              </c:numCache>
+            </c:numRef>
+          </c:yVal>
+          <c:bubbleSize>
+            <c:numLit>
+              <c:formatCode>General</c:formatCode>
+              <c:ptCount val="3"/>
+              <c:pt idx="0">
+                <c:v>1</c:v>
+              </c:pt>
+              <c:pt idx="1">
+                <c:v>1</c:v>
+              </c:pt>
+              <c:pt idx="2">
+                <c:v>1</c:v>
+              </c:pt>
+            </c:numLit>
+          </c:bubbleSize>
+          <c:bubble3D val="1"/>
+          <c:extLst>
+            <c:ext xmlns:c16="http://schemas.microsoft.com/office/drawing/2014/chart" uri="{C3380CC4-5D6E-409C-BE32-E72D297353CC}">
+              <c16:uniqueId val="{00000017-6CEC-4BB1-822F-6215B8A139B6}"/>
+            </c:ext>
+          </c:extLst>
+        </c:ser>
+        <c:ser>
+          <c:idx val="24"/>
+          <c:order val="24"/>
+          <c:spPr>
+            <a:solidFill>
+              <a:schemeClr val="accent1">
+                <a:lumMod val="60000"/>
+                <a:lumOff val="40000"/>
+              </a:schemeClr>
+            </a:solidFill>
+            <a:ln w="19050">
+              <a:solidFill>
+                <a:schemeClr val="lt1"/>
+              </a:solidFill>
+            </a:ln>
+            <a:effectLst/>
+          </c:spPr>
+          <c:invertIfNegative val="0"/>
+          <c:xVal>
+            <c:strRef>
+              <c:f>Sheet1!$A$6:$A$8</c:f>
+              <c:strCache>
+                <c:ptCount val="3"/>
+                <c:pt idx="0">
+                  <c:v>Value1</c:v>
+                </c:pt>
+                <c:pt idx="1">
+                  <c:v>Value2</c:v>
+                </c:pt>
+                <c:pt idx="2">
+                  <c:v>Product</c:v>
+                </c:pt>
+              </c:strCache>
+            </c:strRef>
+          </c:xVal>
+          <c:yVal>
+            <c:numRef>
+              <c:f>Sheet1!$Z$6:$Z$8</c:f>
+              <c:numCache>
+                <c:formatCode>General</c:formatCode>
+                <c:ptCount val="3"/>
+                <c:pt idx="0">
+                  <c:v>13</c:v>
+                </c:pt>
+                <c:pt idx="1">
+                  <c:v>307</c:v>
+                </c:pt>
+                <c:pt idx="2">
+                  <c:v>3991</c:v>
+                </c:pt>
+              </c:numCache>
+            </c:numRef>
+          </c:yVal>
+          <c:bubbleSize>
+            <c:numLit>
+              <c:formatCode>General</c:formatCode>
+              <c:ptCount val="3"/>
+              <c:pt idx="0">
+                <c:v>1</c:v>
+              </c:pt>
+              <c:pt idx="1">
+                <c:v>1</c:v>
+              </c:pt>
+              <c:pt idx="2">
+                <c:v>1</c:v>
+              </c:pt>
+            </c:numLit>
+          </c:bubbleSize>
+          <c:bubble3D val="1"/>
+          <c:extLst>
+            <c:ext xmlns:c16="http://schemas.microsoft.com/office/drawing/2014/chart" uri="{C3380CC4-5D6E-409C-BE32-E72D297353CC}">
+              <c16:uniqueId val="{00000018-6CEC-4BB1-822F-6215B8A139B6}"/>
+            </c:ext>
+          </c:extLst>
+        </c:ser>
+        <c:ser>
+          <c:idx val="25"/>
+          <c:order val="25"/>
+          <c:spPr>
+            <a:solidFill>
+              <a:schemeClr val="accent2">
+                <a:lumMod val="60000"/>
+                <a:lumOff val="40000"/>
+              </a:schemeClr>
+            </a:solidFill>
+            <a:ln w="19050">
+              <a:solidFill>
+                <a:schemeClr val="lt1"/>
+              </a:solidFill>
+            </a:ln>
+            <a:effectLst/>
+          </c:spPr>
+          <c:invertIfNegative val="0"/>
+          <c:xVal>
+            <c:strRef>
+              <c:f>Sheet1!$A$6:$A$8</c:f>
+              <c:strCache>
+                <c:ptCount val="3"/>
+                <c:pt idx="0">
+                  <c:v>Value1</c:v>
+                </c:pt>
+                <c:pt idx="1">
+                  <c:v>Value2</c:v>
+                </c:pt>
+                <c:pt idx="2">
+                  <c:v>Product</c:v>
+                </c:pt>
+              </c:strCache>
+            </c:strRef>
+          </c:xVal>
+          <c:yVal>
+            <c:numRef>
+              <c:f>Sheet1!$AA$6:$AA$8</c:f>
+              <c:numCache>
+                <c:formatCode>General</c:formatCode>
+                <c:ptCount val="3"/>
+                <c:pt idx="0">
+                  <c:v>858</c:v>
+                </c:pt>
+                <c:pt idx="1">
+                  <c:v>7</c:v>
+                </c:pt>
+                <c:pt idx="2">
+                  <c:v>6006</c:v>
+                </c:pt>
+              </c:numCache>
+            </c:numRef>
+          </c:yVal>
+          <c:bubbleSize>
+            <c:numLit>
+              <c:formatCode>General</c:formatCode>
+              <c:ptCount val="3"/>
+              <c:pt idx="0">
+                <c:v>1</c:v>
+              </c:pt>
+              <c:pt idx="1">
+                <c:v>1</c:v>
+              </c:pt>
+              <c:pt idx="2">
+                <c:v>1</c:v>
+              </c:pt>
+            </c:numLit>
+          </c:bubbleSize>
+          <c:bubble3D val="1"/>
+          <c:extLst>
+            <c:ext xmlns:c16="http://schemas.microsoft.com/office/drawing/2014/chart" uri="{C3380CC4-5D6E-409C-BE32-E72D297353CC}">
+              <c16:uniqueId val="{00000019-6CEC-4BB1-822F-6215B8A139B6}"/>
+            </c:ext>
+          </c:extLst>
+        </c:ser>
+        <c:ser>
+          <c:idx val="26"/>
+          <c:order val="26"/>
+          <c:spPr>
+            <a:solidFill>
+              <a:schemeClr val="accent3">
+                <a:lumMod val="60000"/>
+                <a:lumOff val="40000"/>
+              </a:schemeClr>
+            </a:solidFill>
+            <a:ln w="19050">
+              <a:solidFill>
+                <a:schemeClr val="lt1"/>
+              </a:solidFill>
+            </a:ln>
+            <a:effectLst/>
+          </c:spPr>
+          <c:invertIfNegative val="0"/>
+          <c:xVal>
+            <c:strRef>
+              <c:f>Sheet1!$A$6:$A$8</c:f>
+              <c:strCache>
+                <c:ptCount val="3"/>
+                <c:pt idx="0">
+                  <c:v>Value1</c:v>
+                </c:pt>
+                <c:pt idx="1">
+                  <c:v>Value2</c:v>
+                </c:pt>
+                <c:pt idx="2">
+                  <c:v>Product</c:v>
+                </c:pt>
+              </c:strCache>
+            </c:strRef>
+          </c:xVal>
+          <c:yVal>
+            <c:numRef>
+              <c:f>Sheet1!$AB$6:$AB$8</c:f>
+              <c:numCache>
+                <c:formatCode>General</c:formatCode>
+                <c:ptCount val="3"/>
+                <c:pt idx="0">
+                  <c:v>681</c:v>
+                </c:pt>
+                <c:pt idx="1">
+                  <c:v>532</c:v>
+                </c:pt>
+                <c:pt idx="2">
+                  <c:v>362292</c:v>
+                </c:pt>
+              </c:numCache>
+            </c:numRef>
+          </c:yVal>
+          <c:bubbleSize>
+            <c:numLit>
+              <c:formatCode>General</c:formatCode>
+              <c:ptCount val="3"/>
+              <c:pt idx="0">
+                <c:v>1</c:v>
+              </c:pt>
+              <c:pt idx="1">
+                <c:v>1</c:v>
+              </c:pt>
+              <c:pt idx="2">
+                <c:v>1</c:v>
+              </c:pt>
+            </c:numLit>
+          </c:bubbleSize>
+          <c:bubble3D val="1"/>
+          <c:extLst>
+            <c:ext xmlns:c16="http://schemas.microsoft.com/office/drawing/2014/chart" uri="{C3380CC4-5D6E-409C-BE32-E72D297353CC}">
+              <c16:uniqueId val="{0000001A-6CEC-4BB1-822F-6215B8A139B6}"/>
+            </c:ext>
+          </c:extLst>
+        </c:ser>
+        <c:ser>
+          <c:idx val="27"/>
+          <c:order val="27"/>
+          <c:spPr>
+            <a:solidFill>
+              <a:schemeClr val="accent4">
+                <a:lumMod val="60000"/>
+                <a:lumOff val="40000"/>
+              </a:schemeClr>
+            </a:solidFill>
+            <a:ln w="19050">
+              <a:solidFill>
+                <a:schemeClr val="lt1"/>
+              </a:solidFill>
+            </a:ln>
+            <a:effectLst/>
+          </c:spPr>
+          <c:invertIfNegative val="0"/>
+          <c:xVal>
+            <c:strRef>
+              <c:f>Sheet1!$A$6:$A$8</c:f>
+              <c:strCache>
+                <c:ptCount val="3"/>
+                <c:pt idx="0">
+                  <c:v>Value1</c:v>
+                </c:pt>
+                <c:pt idx="1">
+                  <c:v>Value2</c:v>
+                </c:pt>
+                <c:pt idx="2">
+                  <c:v>Product</c:v>
+                </c:pt>
+              </c:strCache>
+            </c:strRef>
+          </c:xVal>
+          <c:yVal>
+            <c:numRef>
+              <c:f>Sheet1!$AC$6:$AC$8</c:f>
+              <c:numCache>
+                <c:formatCode>General</c:formatCode>
+                <c:ptCount val="3"/>
+                <c:pt idx="0">
+                  <c:v>908</c:v>
+                </c:pt>
+                <c:pt idx="1">
+                  <c:v>908</c:v>
+                </c:pt>
+                <c:pt idx="2">
+                  <c:v>824464</c:v>
+                </c:pt>
+              </c:numCache>
+            </c:numRef>
+          </c:yVal>
+          <c:bubbleSize>
+            <c:numLit>
+              <c:formatCode>General</c:formatCode>
+              <c:ptCount val="3"/>
+              <c:pt idx="0">
+                <c:v>1</c:v>
+              </c:pt>
+              <c:pt idx="1">
+                <c:v>1</c:v>
+              </c:pt>
+              <c:pt idx="2">
+                <c:v>1</c:v>
+              </c:pt>
+            </c:numLit>
+          </c:bubbleSize>
+          <c:bubble3D val="1"/>
+          <c:extLst>
+            <c:ext xmlns:c16="http://schemas.microsoft.com/office/drawing/2014/chart" uri="{C3380CC4-5D6E-409C-BE32-E72D297353CC}">
+              <c16:uniqueId val="{0000001B-6CEC-4BB1-822F-6215B8A139B6}"/>
+            </c:ext>
+          </c:extLst>
+        </c:ser>
+        <c:ser>
+          <c:idx val="28"/>
+          <c:order val="28"/>
+          <c:spPr>
+            <a:solidFill>
+              <a:schemeClr val="accent5">
+                <a:lumMod val="60000"/>
+                <a:lumOff val="40000"/>
+              </a:schemeClr>
+            </a:solidFill>
+            <a:ln w="19050">
+              <a:solidFill>
+                <a:schemeClr val="lt1"/>
+              </a:solidFill>
+            </a:ln>
+            <a:effectLst/>
+          </c:spPr>
+          <c:invertIfNegative val="0"/>
+          <c:xVal>
+            <c:strRef>
+              <c:f>Sheet1!$A$6:$A$8</c:f>
+              <c:strCache>
+                <c:ptCount val="3"/>
+                <c:pt idx="0">
+                  <c:v>Value1</c:v>
+                </c:pt>
+                <c:pt idx="1">
+                  <c:v>Value2</c:v>
+                </c:pt>
+                <c:pt idx="2">
+                  <c:v>Product</c:v>
+                </c:pt>
+              </c:strCache>
+            </c:strRef>
+          </c:xVal>
+          <c:yVal>
+            <c:numRef>
+              <c:f>Sheet1!$AD$6:$AD$8</c:f>
+              <c:numCache>
+                <c:formatCode>General</c:formatCode>
+                <c:ptCount val="3"/>
+                <c:pt idx="0">
+                  <c:v>221</c:v>
+                </c:pt>
+                <c:pt idx="1">
+                  <c:v>664</c:v>
+                </c:pt>
+                <c:pt idx="2">
+                  <c:v>146744</c:v>
+                </c:pt>
+              </c:numCache>
+            </c:numRef>
+          </c:yVal>
+          <c:bubbleSize>
+            <c:numLit>
+              <c:formatCode>General</c:formatCode>
+              <c:ptCount val="3"/>
+              <c:pt idx="0">
+                <c:v>1</c:v>
+              </c:pt>
+              <c:pt idx="1">
+                <c:v>1</c:v>
+              </c:pt>
+              <c:pt idx="2">
+                <c:v>1</c:v>
+              </c:pt>
+            </c:numLit>
+          </c:bubbleSize>
+          <c:bubble3D val="1"/>
+          <c:extLst>
+            <c:ext xmlns:c16="http://schemas.microsoft.com/office/drawing/2014/chart" uri="{C3380CC4-5D6E-409C-BE32-E72D297353CC}">
+              <c16:uniqueId val="{0000001C-6CEC-4BB1-822F-6215B8A139B6}"/>
+            </c:ext>
+          </c:extLst>
+        </c:ser>
+        <c:ser>
+          <c:idx val="29"/>
+          <c:order val="29"/>
+          <c:spPr>
+            <a:solidFill>
+              <a:schemeClr val="accent6">
+                <a:lumMod val="60000"/>
+                <a:lumOff val="40000"/>
+              </a:schemeClr>
+            </a:solidFill>
+            <a:ln w="19050">
+              <a:solidFill>
+                <a:schemeClr val="lt1"/>
+              </a:solidFill>
+            </a:ln>
+            <a:effectLst/>
+          </c:spPr>
+          <c:invertIfNegative val="0"/>
+          <c:xVal>
+            <c:strRef>
+              <c:f>Sheet1!$A$6:$A$8</c:f>
+              <c:strCache>
+                <c:ptCount val="3"/>
+                <c:pt idx="0">
+                  <c:v>Value1</c:v>
+                </c:pt>
+                <c:pt idx="1">
+                  <c:v>Value2</c:v>
+                </c:pt>
+                <c:pt idx="2">
+                  <c:v>Product</c:v>
+                </c:pt>
+              </c:strCache>
+            </c:strRef>
+          </c:xVal>
+          <c:yVal>
+            <c:numRef>
+              <c:f>Sheet1!$AE$6:$AE$8</c:f>
+              <c:numCache>
+                <c:formatCode>General</c:formatCode>
+                <c:ptCount val="3"/>
+                <c:pt idx="0">
+                  <c:v>327</c:v>
+                </c:pt>
+                <c:pt idx="1">
+                  <c:v>84</c:v>
+                </c:pt>
+                <c:pt idx="2">
+                  <c:v>27468</c:v>
+                </c:pt>
+              </c:numCache>
+            </c:numRef>
+          </c:yVal>
+          <c:bubbleSize>
+            <c:numLit>
+              <c:formatCode>General</c:formatCode>
+              <c:ptCount val="3"/>
+              <c:pt idx="0">
+                <c:v>1</c:v>
+              </c:pt>
+              <c:pt idx="1">
+                <c:v>1</c:v>
+              </c:pt>
+              <c:pt idx="2">
+                <c:v>1</c:v>
+              </c:pt>
+            </c:numLit>
+          </c:bubbleSize>
+          <c:bubble3D val="1"/>
+          <c:extLst>
+            <c:ext xmlns:c16="http://schemas.microsoft.com/office/drawing/2014/chart" uri="{C3380CC4-5D6E-409C-BE32-E72D297353CC}">
+              <c16:uniqueId val="{0000001D-6CEC-4BB1-822F-6215B8A139B6}"/>
+            </c:ext>
+          </c:extLst>
+        </c:ser>
+        <c:ser>
+          <c:idx val="30"/>
+          <c:order val="30"/>
+          <c:spPr>
+            <a:solidFill>
+              <a:schemeClr val="accent1">
+                <a:lumMod val="50000"/>
+              </a:schemeClr>
+            </a:solidFill>
+            <a:ln w="19050">
+              <a:solidFill>
+                <a:schemeClr val="lt1"/>
+              </a:solidFill>
+            </a:ln>
+            <a:effectLst/>
+          </c:spPr>
+          <c:invertIfNegative val="0"/>
+          <c:xVal>
+            <c:strRef>
+              <c:f>Sheet1!$A$6:$A$8</c:f>
+              <c:strCache>
+                <c:ptCount val="3"/>
+                <c:pt idx="0">
+                  <c:v>Value1</c:v>
+                </c:pt>
+                <c:pt idx="1">
+                  <c:v>Value2</c:v>
+                </c:pt>
+                <c:pt idx="2">
+                  <c:v>Product</c:v>
+                </c:pt>
+              </c:strCache>
+            </c:strRef>
+          </c:xVal>
+          <c:yVal>
+            <c:numRef>
+              <c:f>Sheet1!$AF$6:$AF$8</c:f>
+              <c:numCache>
+                <c:formatCode>General</c:formatCode>
+                <c:ptCount val="3"/>
+                <c:pt idx="0">
+                  <c:v>865</c:v>
+                </c:pt>
+                <c:pt idx="1">
+                  <c:v>773</c:v>
+                </c:pt>
+                <c:pt idx="2">
+                  <c:v>668645</c:v>
+                </c:pt>
+              </c:numCache>
+            </c:numRef>
+          </c:yVal>
+          <c:bubbleSize>
+            <c:numLit>
+              <c:formatCode>General</c:formatCode>
+              <c:ptCount val="3"/>
+              <c:pt idx="0">
+                <c:v>1</c:v>
+              </c:pt>
+              <c:pt idx="1">
+                <c:v>1</c:v>
+              </c:pt>
+              <c:pt idx="2">
+                <c:v>1</c:v>
+              </c:pt>
+            </c:numLit>
+          </c:bubbleSize>
+          <c:bubble3D val="1"/>
+          <c:extLst>
+            <c:ext xmlns:c16="http://schemas.microsoft.com/office/drawing/2014/chart" uri="{C3380CC4-5D6E-409C-BE32-E72D297353CC}">
+              <c16:uniqueId val="{0000001E-6CEC-4BB1-822F-6215B8A139B6}"/>
+            </c:ext>
+          </c:extLst>
+        </c:ser>
+        <c:ser>
+          <c:idx val="31"/>
+          <c:order val="31"/>
+          <c:spPr>
+            <a:solidFill>
+              <a:schemeClr val="accent2">
+                <a:lumMod val="50000"/>
+              </a:schemeClr>
+            </a:solidFill>
+            <a:ln w="19050">
+              <a:solidFill>
+                <a:schemeClr val="lt1"/>
+              </a:solidFill>
+            </a:ln>
+            <a:effectLst/>
+          </c:spPr>
+          <c:invertIfNegative val="0"/>
+          <c:xVal>
+            <c:strRef>
+              <c:f>Sheet1!$A$6:$A$8</c:f>
+              <c:strCache>
+                <c:ptCount val="3"/>
+                <c:pt idx="0">
+                  <c:v>Value1</c:v>
+                </c:pt>
+                <c:pt idx="1">
+                  <c:v>Value2</c:v>
+                </c:pt>
+                <c:pt idx="2">
+                  <c:v>Product</c:v>
+                </c:pt>
+              </c:strCache>
+            </c:strRef>
+          </c:xVal>
+          <c:yVal>
+            <c:numRef>
+              <c:f>Sheet1!$AG$6:$AG$8</c:f>
+              <c:numCache>
+                <c:formatCode>General</c:formatCode>
+                <c:ptCount val="3"/>
+                <c:pt idx="0">
+                  <c:v>543</c:v>
+                </c:pt>
+                <c:pt idx="1">
+                  <c:v>871</c:v>
+                </c:pt>
+                <c:pt idx="2">
+                  <c:v>472953</c:v>
+                </c:pt>
+              </c:numCache>
+            </c:numRef>
+          </c:yVal>
+          <c:bubbleSize>
+            <c:numLit>
+              <c:formatCode>General</c:formatCode>
+              <c:ptCount val="3"/>
+              <c:pt idx="0">
+                <c:v>1</c:v>
+              </c:pt>
+              <c:pt idx="1">
+                <c:v>1</c:v>
+              </c:pt>
+              <c:pt idx="2">
+                <c:v>1</c:v>
+              </c:pt>
+            </c:numLit>
+          </c:bubbleSize>
+          <c:bubble3D val="1"/>
+          <c:extLst>
+            <c:ext xmlns:c16="http://schemas.microsoft.com/office/drawing/2014/chart" uri="{C3380CC4-5D6E-409C-BE32-E72D297353CC}">
+              <c16:uniqueId val="{0000001F-6CEC-4BB1-822F-6215B8A139B6}"/>
+            </c:ext>
+          </c:extLst>
+        </c:ser>
+        <c:ser>
+          <c:idx val="32"/>
+          <c:order val="32"/>
+          <c:spPr>
+            <a:solidFill>
+              <a:schemeClr val="accent3">
+                <a:lumMod val="50000"/>
+              </a:schemeClr>
+            </a:solidFill>
+            <a:ln w="19050">
+              <a:solidFill>
+                <a:schemeClr val="lt1"/>
+              </a:solidFill>
+            </a:ln>
+            <a:effectLst/>
+          </c:spPr>
+          <c:invertIfNegative val="0"/>
+          <c:xVal>
+            <c:strRef>
+              <c:f>Sheet1!$A$6:$A$8</c:f>
+              <c:strCache>
+                <c:ptCount val="3"/>
+                <c:pt idx="0">
+                  <c:v>Value1</c:v>
+                </c:pt>
+                <c:pt idx="1">
+                  <c:v>Value2</c:v>
+                </c:pt>
+                <c:pt idx="2">
+                  <c:v>Product</c:v>
+                </c:pt>
+              </c:strCache>
+            </c:strRef>
+          </c:xVal>
+          <c:yVal>
+            <c:numRef>
+              <c:f>Sheet1!$AH$6:$AH$8</c:f>
+              <c:numCache>
+                <c:formatCode>General</c:formatCode>
+                <c:ptCount val="3"/>
+                <c:pt idx="0">
+                  <c:v>257</c:v>
+                </c:pt>
+                <c:pt idx="1">
+                  <c:v>93</c:v>
+                </c:pt>
+                <c:pt idx="2">
+                  <c:v>23901</c:v>
+                </c:pt>
+              </c:numCache>
+            </c:numRef>
+          </c:yVal>
+          <c:bubbleSize>
+            <c:numLit>
+              <c:formatCode>General</c:formatCode>
+              <c:ptCount val="3"/>
+              <c:pt idx="0">
+                <c:v>1</c:v>
+              </c:pt>
+              <c:pt idx="1">
+                <c:v>1</c:v>
+              </c:pt>
+              <c:pt idx="2">
+                <c:v>1</c:v>
+              </c:pt>
+            </c:numLit>
+          </c:bubbleSize>
+          <c:bubble3D val="1"/>
+          <c:extLst>
+            <c:ext xmlns:c16="http://schemas.microsoft.com/office/drawing/2014/chart" uri="{C3380CC4-5D6E-409C-BE32-E72D297353CC}">
+              <c16:uniqueId val="{00000020-6CEC-4BB1-822F-6215B8A139B6}"/>
+            </c:ext>
+          </c:extLst>
+        </c:ser>
+        <c:ser>
+          <c:idx val="33"/>
+          <c:order val="33"/>
+          <c:spPr>
+            <a:solidFill>
+              <a:schemeClr val="accent4">
+                <a:lumMod val="50000"/>
+              </a:schemeClr>
+            </a:solidFill>
+            <a:ln w="19050">
+              <a:solidFill>
+                <a:schemeClr val="lt1"/>
+              </a:solidFill>
+            </a:ln>
+            <a:effectLst/>
+          </c:spPr>
+          <c:invertIfNegative val="0"/>
+          <c:xVal>
+            <c:strRef>
+              <c:f>Sheet1!$A$6:$A$8</c:f>
+              <c:strCache>
+                <c:ptCount val="3"/>
+                <c:pt idx="0">
+                  <c:v>Value1</c:v>
+                </c:pt>
+                <c:pt idx="1">
+                  <c:v>Value2</c:v>
+                </c:pt>
+                <c:pt idx="2">
+                  <c:v>Product</c:v>
+                </c:pt>
+              </c:strCache>
+            </c:strRef>
+          </c:xVal>
+          <c:yVal>
+            <c:numRef>
+              <c:f>Sheet1!$AI$6:$AI$8</c:f>
+              <c:numCache>
+                <c:formatCode>General</c:formatCode>
+                <c:ptCount val="3"/>
+                <c:pt idx="0">
+                  <c:v>659</c:v>
+                </c:pt>
+                <c:pt idx="1">
+                  <c:v>259</c:v>
+                </c:pt>
+                <c:pt idx="2">
+                  <c:v>170681</c:v>
+                </c:pt>
+              </c:numCache>
+            </c:numRef>
+          </c:yVal>
+          <c:bubbleSize>
+            <c:numLit>
+              <c:formatCode>General</c:formatCode>
+              <c:ptCount val="3"/>
+              <c:pt idx="0">
+                <c:v>1</c:v>
+              </c:pt>
+              <c:pt idx="1">
+                <c:v>1</c:v>
+              </c:pt>
+              <c:pt idx="2">
+                <c:v>1</c:v>
+              </c:pt>
+            </c:numLit>
+          </c:bubbleSize>
+          <c:bubble3D val="1"/>
+          <c:extLst>
+            <c:ext xmlns:c16="http://schemas.microsoft.com/office/drawing/2014/chart" uri="{C3380CC4-5D6E-409C-BE32-E72D297353CC}">
+              <c16:uniqueId val="{00000021-6CEC-4BB1-822F-6215B8A139B6}"/>
+            </c:ext>
+          </c:extLst>
+        </c:ser>
+        <c:dLbls>
+          <c:showLegendKey val="0"/>
+          <c:showVal val="0"/>
+          <c:showCatName val="0"/>
+          <c:showSerName val="0"/>
+          <c:showPercent val="0"/>
+          <c:showBubbleSize val="0"/>
+        </c:dLbls>
+        <c:bubbleScale val="100"/>
+        <c:showNegBubbles val="0"/>
+        <c:axId val="1379115999"/>
+        <c:axId val="1379135679"/>
+      </c:bubbleChart>
+      <c:valAx>
+        <c:axId val="1379135679"/>
+        <c:scaling>
+          <c:orientation val="minMax"/>
+        </c:scaling>
+        <c:delete val="0"/>
+        <c:axPos val="l"/>
+        <c:majorGridlines>
+          <c:spPr>
+            <a:ln w="9525" cap="flat" cmpd="sng" algn="ctr">
+              <a:solidFill>
+                <a:schemeClr val="tx1">
+                  <a:lumMod val="15000"/>
+                  <a:lumOff val="85000"/>
+                </a:schemeClr>
+              </a:solidFill>
+              <a:round/>
+            </a:ln>
+            <a:effectLst/>
+          </c:spPr>
+        </c:majorGridlines>
+        <c:numFmt formatCode="General" sourceLinked="1"/>
+        <c:majorTickMark val="out"/>
+        <c:minorTickMark val="none"/>
+        <c:tickLblPos val="nextTo"/>
+        <c:spPr>
+          <a:noFill/>
+          <a:ln>
+            <a:noFill/>
+          </a:ln>
+          <a:effectLst/>
+        </c:spPr>
+        <c:txPr>
+          <a:bodyPr rot="-60000000" spcFirstLastPara="1" vertOverflow="ellipsis" vert="horz" wrap="square" anchor="ctr" anchorCtr="1"/>
+          <a:lstStyle/>
+          <a:p>
+            <a:pPr>
+              <a:defRPr sz="1197" b="0" i="0" u="none" strike="noStrike" kern="1200" baseline="0">
+                <a:solidFill>
+                  <a:schemeClr val="tx1">
+                    <a:lumMod val="65000"/>
+                    <a:lumOff val="35000"/>
+                  </a:schemeClr>
+                </a:solidFill>
+                <a:latin typeface="+mn-lt"/>
+                <a:ea typeface="+mn-ea"/>
+                <a:cs typeface="+mn-cs"/>
+              </a:defRPr>
+            </a:pPr>
+            <a:endParaRPr lang="en-US"/>
+          </a:p>
+        </c:txPr>
+        <c:crossAx val="1379115999"/>
+        <c:crosses val="autoZero"/>
+        <c:crossBetween val="midCat"/>
+      </c:valAx>
+      <c:valAx>
+        <c:axId val="1379115999"/>
+        <c:scaling>
+          <c:orientation val="minMax"/>
+        </c:scaling>
+        <c:delete val="0"/>
+        <c:axPos val="b"/>
+        <c:numFmt formatCode="General" sourceLinked="1"/>
+        <c:majorTickMark val="out"/>
+        <c:minorTickMark val="none"/>
+        <c:tickLblPos val="nextTo"/>
+        <c:spPr>
+          <a:noFill/>
+          <a:ln w="9525" cap="flat" cmpd="sng" algn="ctr">
+            <a:solidFill>
+              <a:schemeClr val="tx1">
+                <a:lumMod val="15000"/>
+                <a:lumOff val="85000"/>
+              </a:schemeClr>
+            </a:solidFill>
+            <a:round/>
+          </a:ln>
+          <a:effectLst/>
+        </c:spPr>
+        <c:txPr>
+          <a:bodyPr rot="-60000000" spcFirstLastPara="1" vertOverflow="ellipsis" vert="horz" wrap="square" anchor="ctr" anchorCtr="1"/>
+          <a:lstStyle/>
+          <a:p>
+            <a:pPr>
+              <a:defRPr sz="1197" b="0" i="0" u="none" strike="noStrike" kern="1200" baseline="0">
+                <a:solidFill>
+                  <a:schemeClr val="tx1">
+                    <a:lumMod val="65000"/>
+                    <a:lumOff val="35000"/>
+                  </a:schemeClr>
+                </a:solidFill>
+                <a:latin typeface="+mn-lt"/>
+                <a:ea typeface="+mn-ea"/>
+                <a:cs typeface="+mn-cs"/>
+              </a:defRPr>
+            </a:pPr>
+            <a:endParaRPr lang="en-US"/>
+          </a:p>
+        </c:txPr>
+        <c:crossAx val="1379135679"/>
+        <c:crosses val="autoZero"/>
+        <c:crossBetween val="midCat"/>
+      </c:valAx>
       <c:spPr>
         <a:noFill/>
         <a:ln>
@@ -2341,7 +5058,566 @@
 </cs:colorStyle>
 </file>
 
+<file path=ppt/charts/colors2.xml><?xml version="1.0" encoding="utf-8"?>
+<cs:colorStyle xmlns:cs="http://schemas.microsoft.com/office/drawing/2012/chartStyle" xmlns:a="http://schemas.openxmlformats.org/drawingml/2006/main" meth="cycle" id="10">
+  <a:schemeClr val="accent1"/>
+  <a:schemeClr val="accent2"/>
+  <a:schemeClr val="accent3"/>
+  <a:schemeClr val="accent4"/>
+  <a:schemeClr val="accent5"/>
+  <a:schemeClr val="accent6"/>
+  <cs:variation/>
+  <cs:variation>
+    <a:lumMod val="60000"/>
+  </cs:variation>
+  <cs:variation>
+    <a:lumMod val="80000"/>
+    <a:lumOff val="20000"/>
+  </cs:variation>
+  <cs:variation>
+    <a:lumMod val="80000"/>
+  </cs:variation>
+  <cs:variation>
+    <a:lumMod val="60000"/>
+    <a:lumOff val="40000"/>
+  </cs:variation>
+  <cs:variation>
+    <a:lumMod val="50000"/>
+  </cs:variation>
+  <cs:variation>
+    <a:lumMod val="70000"/>
+    <a:lumOff val="30000"/>
+  </cs:variation>
+  <cs:variation>
+    <a:lumMod val="70000"/>
+  </cs:variation>
+  <cs:variation>
+    <a:lumMod val="50000"/>
+    <a:lumOff val="50000"/>
+  </cs:variation>
+</cs:colorStyle>
+</file>
+
 <file path=ppt/charts/style1.xml><?xml version="1.0" encoding="utf-8"?>
+<cs:chartStyle xmlns:cs="http://schemas.microsoft.com/office/drawing/2012/chartStyle" xmlns:a="http://schemas.openxmlformats.org/drawingml/2006/main" id="251">
+  <cs:axisTitle>
+    <cs:lnRef idx="0"/>
+    <cs:fillRef idx="0"/>
+    <cs:effectRef idx="0"/>
+    <cs:fontRef idx="minor">
+      <a:schemeClr val="tx1">
+        <a:lumMod val="65000"/>
+        <a:lumOff val="35000"/>
+      </a:schemeClr>
+    </cs:fontRef>
+    <cs:defRPr sz="1330" kern="1200"/>
+  </cs:axisTitle>
+  <cs:categoryAxis>
+    <cs:lnRef idx="0"/>
+    <cs:fillRef idx="0"/>
+    <cs:effectRef idx="0"/>
+    <cs:fontRef idx="minor">
+      <a:schemeClr val="tx1">
+        <a:lumMod val="65000"/>
+        <a:lumOff val="35000"/>
+      </a:schemeClr>
+    </cs:fontRef>
+    <cs:spPr>
+      <a:ln w="9525" cap="flat" cmpd="sng" algn="ctr">
+        <a:solidFill>
+          <a:schemeClr val="tx1">
+            <a:lumMod val="15000"/>
+            <a:lumOff val="85000"/>
+          </a:schemeClr>
+        </a:solidFill>
+        <a:round/>
+      </a:ln>
+    </cs:spPr>
+    <cs:defRPr sz="1197" kern="1200"/>
+  </cs:categoryAxis>
+  <cs:chartArea mods="allowNoFillOverride allowNoLineOverride">
+    <cs:lnRef idx="0"/>
+    <cs:fillRef idx="0"/>
+    <cs:effectRef idx="0"/>
+    <cs:fontRef idx="minor">
+      <a:schemeClr val="tx1"/>
+    </cs:fontRef>
+    <cs:spPr>
+      <a:solidFill>
+        <a:schemeClr val="bg1"/>
+      </a:solidFill>
+      <a:ln w="9525" cap="flat" cmpd="sng" algn="ctr">
+        <a:solidFill>
+          <a:schemeClr val="tx1">
+            <a:lumMod val="15000"/>
+            <a:lumOff val="85000"/>
+          </a:schemeClr>
+        </a:solidFill>
+        <a:round/>
+      </a:ln>
+    </cs:spPr>
+    <cs:defRPr sz="1197" kern="1200"/>
+  </cs:chartArea>
+  <cs:dataLabel>
+    <cs:lnRef idx="0"/>
+    <cs:fillRef idx="0"/>
+    <cs:effectRef idx="0"/>
+    <cs:fontRef idx="minor">
+      <a:schemeClr val="tx1">
+        <a:lumMod val="75000"/>
+        <a:lumOff val="25000"/>
+      </a:schemeClr>
+    </cs:fontRef>
+    <cs:defRPr sz="1197" kern="1200"/>
+  </cs:dataLabel>
+  <cs:dataLabelCallout>
+    <cs:lnRef idx="0"/>
+    <cs:fillRef idx="0"/>
+    <cs:effectRef idx="0"/>
+    <cs:fontRef idx="minor">
+      <a:schemeClr val="dk1">
+        <a:lumMod val="65000"/>
+        <a:lumOff val="35000"/>
+      </a:schemeClr>
+    </cs:fontRef>
+    <cs:spPr>
+      <a:solidFill>
+        <a:schemeClr val="lt1"/>
+      </a:solidFill>
+      <a:ln>
+        <a:solidFill>
+          <a:schemeClr val="dk1">
+            <a:lumMod val="25000"/>
+            <a:lumOff val="75000"/>
+          </a:schemeClr>
+        </a:solidFill>
+      </a:ln>
+    </cs:spPr>
+    <cs:defRPr sz="1197" kern="1200"/>
+    <cs:bodyPr rot="0" spcFirstLastPara="1" vertOverflow="clip" horzOverflow="clip" vert="horz" wrap="square" lIns="36576" tIns="18288" rIns="36576" bIns="18288" anchor="ctr" anchorCtr="1">
+      <a:spAutoFit/>
+    </cs:bodyPr>
+  </cs:dataLabelCallout>
+  <cs:dataPoint>
+    <cs:lnRef idx="0"/>
+    <cs:fillRef idx="1">
+      <cs:styleClr val="auto"/>
+    </cs:fillRef>
+    <cs:effectRef idx="0"/>
+    <cs:fontRef idx="minor">
+      <a:schemeClr val="tx1"/>
+    </cs:fontRef>
+    <cs:spPr>
+      <a:ln w="19050">
+        <a:solidFill>
+          <a:schemeClr val="lt1"/>
+        </a:solidFill>
+      </a:ln>
+    </cs:spPr>
+  </cs:dataPoint>
+  <cs:dataPoint3D>
+    <cs:lnRef idx="0"/>
+    <cs:fillRef idx="1">
+      <cs:styleClr val="auto"/>
+    </cs:fillRef>
+    <cs:effectRef idx="0"/>
+    <cs:fontRef idx="minor">
+      <a:schemeClr val="tx1"/>
+    </cs:fontRef>
+    <cs:spPr>
+      <a:ln w="25400">
+        <a:solidFill>
+          <a:schemeClr val="lt1"/>
+        </a:solidFill>
+      </a:ln>
+    </cs:spPr>
+  </cs:dataPoint3D>
+  <cs:dataPointLine>
+    <cs:lnRef idx="0">
+      <cs:styleClr val="auto"/>
+    </cs:lnRef>
+    <cs:fillRef idx="0"/>
+    <cs:effectRef idx="0"/>
+    <cs:fontRef idx="minor">
+      <a:schemeClr val="tx1"/>
+    </cs:fontRef>
+    <cs:spPr>
+      <a:ln w="28575" cap="rnd">
+        <a:solidFill>
+          <a:schemeClr val="phClr"/>
+        </a:solidFill>
+        <a:round/>
+      </a:ln>
+    </cs:spPr>
+  </cs:dataPointLine>
+  <cs:dataPointMarker>
+    <cs:lnRef idx="0">
+      <cs:styleClr val="auto"/>
+    </cs:lnRef>
+    <cs:fillRef idx="1">
+      <cs:styleClr val="auto"/>
+    </cs:fillRef>
+    <cs:effectRef idx="0"/>
+    <cs:fontRef idx="minor">
+      <a:schemeClr val="tx1"/>
+    </cs:fontRef>
+    <cs:spPr>
+      <a:ln w="9525">
+        <a:solidFill>
+          <a:schemeClr val="phClr"/>
+        </a:solidFill>
+      </a:ln>
+    </cs:spPr>
+  </cs:dataPointMarker>
+  <cs:dataPointMarkerLayout symbol="circle" size="5"/>
+  <cs:dataPointWireframe>
+    <cs:lnRef idx="0">
+      <cs:styleClr val="auto"/>
+    </cs:lnRef>
+    <cs:fillRef idx="0"/>
+    <cs:effectRef idx="0"/>
+    <cs:fontRef idx="minor">
+      <a:schemeClr val="tx1"/>
+    </cs:fontRef>
+    <cs:spPr>
+      <a:ln w="9525" cap="rnd">
+        <a:solidFill>
+          <a:schemeClr val="phClr"/>
+        </a:solidFill>
+        <a:round/>
+      </a:ln>
+    </cs:spPr>
+  </cs:dataPointWireframe>
+  <cs:dataTable>
+    <cs:lnRef idx="0"/>
+    <cs:fillRef idx="0"/>
+    <cs:effectRef idx="0"/>
+    <cs:fontRef idx="minor">
+      <a:schemeClr val="tx1">
+        <a:lumMod val="65000"/>
+        <a:lumOff val="35000"/>
+      </a:schemeClr>
+    </cs:fontRef>
+    <cs:spPr>
+      <a:noFill/>
+      <a:ln w="9525" cap="flat" cmpd="sng" algn="ctr">
+        <a:solidFill>
+          <a:schemeClr val="tx1">
+            <a:lumMod val="15000"/>
+            <a:lumOff val="85000"/>
+          </a:schemeClr>
+        </a:solidFill>
+        <a:round/>
+      </a:ln>
+    </cs:spPr>
+    <cs:defRPr sz="1197" kern="1200"/>
+  </cs:dataTable>
+  <cs:downBar>
+    <cs:lnRef idx="0"/>
+    <cs:fillRef idx="0"/>
+    <cs:effectRef idx="0"/>
+    <cs:fontRef idx="minor">
+      <a:schemeClr val="tx1"/>
+    </cs:fontRef>
+    <cs:spPr>
+      <a:solidFill>
+        <a:schemeClr val="dk1">
+          <a:lumMod val="75000"/>
+          <a:lumOff val="25000"/>
+        </a:schemeClr>
+      </a:solidFill>
+      <a:ln w="9525" cap="flat" cmpd="sng" algn="ctr">
+        <a:solidFill>
+          <a:schemeClr val="tx1">
+            <a:lumMod val="65000"/>
+            <a:lumOff val="35000"/>
+          </a:schemeClr>
+        </a:solidFill>
+        <a:round/>
+      </a:ln>
+    </cs:spPr>
+  </cs:downBar>
+  <cs:dropLine>
+    <cs:lnRef idx="0"/>
+    <cs:fillRef idx="0"/>
+    <cs:effectRef idx="0"/>
+    <cs:fontRef idx="minor">
+      <a:schemeClr val="tx1"/>
+    </cs:fontRef>
+    <cs:spPr>
+      <a:ln w="9525" cap="flat" cmpd="sng" algn="ctr">
+        <a:solidFill>
+          <a:schemeClr val="tx1">
+            <a:lumMod val="35000"/>
+            <a:lumOff val="65000"/>
+          </a:schemeClr>
+        </a:solidFill>
+        <a:round/>
+      </a:ln>
+    </cs:spPr>
+  </cs:dropLine>
+  <cs:errorBar>
+    <cs:lnRef idx="0"/>
+    <cs:fillRef idx="0"/>
+    <cs:effectRef idx="0"/>
+    <cs:fontRef idx="minor">
+      <a:schemeClr val="tx1"/>
+    </cs:fontRef>
+    <cs:spPr>
+      <a:ln w="9525" cap="flat" cmpd="sng" algn="ctr">
+        <a:solidFill>
+          <a:schemeClr val="tx1">
+            <a:lumMod val="65000"/>
+            <a:lumOff val="35000"/>
+          </a:schemeClr>
+        </a:solidFill>
+        <a:round/>
+      </a:ln>
+    </cs:spPr>
+  </cs:errorBar>
+  <cs:floor>
+    <cs:lnRef idx="0"/>
+    <cs:fillRef idx="0"/>
+    <cs:effectRef idx="0"/>
+    <cs:fontRef idx="minor">
+      <a:schemeClr val="tx1"/>
+    </cs:fontRef>
+    <cs:spPr>
+      <a:noFill/>
+      <a:ln>
+        <a:noFill/>
+      </a:ln>
+    </cs:spPr>
+  </cs:floor>
+  <cs:gridlineMajor>
+    <cs:lnRef idx="0"/>
+    <cs:fillRef idx="0"/>
+    <cs:effectRef idx="0"/>
+    <cs:fontRef idx="minor">
+      <a:schemeClr val="tx1"/>
+    </cs:fontRef>
+    <cs:spPr>
+      <a:ln w="9525" cap="flat" cmpd="sng" algn="ctr">
+        <a:solidFill>
+          <a:schemeClr val="tx1">
+            <a:lumMod val="15000"/>
+            <a:lumOff val="85000"/>
+          </a:schemeClr>
+        </a:solidFill>
+        <a:round/>
+      </a:ln>
+    </cs:spPr>
+  </cs:gridlineMajor>
+  <cs:gridlineMinor>
+    <cs:lnRef idx="0"/>
+    <cs:fillRef idx="0"/>
+    <cs:effectRef idx="0"/>
+    <cs:fontRef idx="minor">
+      <a:schemeClr val="tx1"/>
+    </cs:fontRef>
+    <cs:spPr>
+      <a:ln w="9525" cap="flat" cmpd="sng" algn="ctr">
+        <a:solidFill>
+          <a:schemeClr val="tx1">
+            <a:lumMod val="5000"/>
+            <a:lumOff val="95000"/>
+          </a:schemeClr>
+        </a:solidFill>
+        <a:round/>
+      </a:ln>
+    </cs:spPr>
+  </cs:gridlineMinor>
+  <cs:hiLoLine>
+    <cs:lnRef idx="0"/>
+    <cs:fillRef idx="0"/>
+    <cs:effectRef idx="0"/>
+    <cs:fontRef idx="minor">
+      <a:schemeClr val="tx1"/>
+    </cs:fontRef>
+    <cs:spPr>
+      <a:ln w="9525" cap="flat" cmpd="sng" algn="ctr">
+        <a:solidFill>
+          <a:schemeClr val="tx1">
+            <a:lumMod val="50000"/>
+            <a:lumOff val="50000"/>
+          </a:schemeClr>
+        </a:solidFill>
+        <a:round/>
+      </a:ln>
+    </cs:spPr>
+  </cs:hiLoLine>
+  <cs:leaderLine>
+    <cs:lnRef idx="0"/>
+    <cs:fillRef idx="0"/>
+    <cs:effectRef idx="0"/>
+    <cs:fontRef idx="minor">
+      <a:schemeClr val="tx1"/>
+    </cs:fontRef>
+    <cs:spPr>
+      <a:ln w="9525" cap="flat" cmpd="sng" algn="ctr">
+        <a:solidFill>
+          <a:schemeClr val="tx1">
+            <a:lumMod val="35000"/>
+            <a:lumOff val="65000"/>
+          </a:schemeClr>
+        </a:solidFill>
+        <a:round/>
+      </a:ln>
+    </cs:spPr>
+  </cs:leaderLine>
+  <cs:legend>
+    <cs:lnRef idx="0"/>
+    <cs:fillRef idx="0"/>
+    <cs:effectRef idx="0"/>
+    <cs:fontRef idx="minor">
+      <a:schemeClr val="tx1">
+        <a:lumMod val="65000"/>
+        <a:lumOff val="35000"/>
+      </a:schemeClr>
+    </cs:fontRef>
+    <cs:defRPr sz="1197" kern="1200"/>
+  </cs:legend>
+  <cs:plotArea mods="allowNoFillOverride allowNoLineOverride">
+    <cs:lnRef idx="0"/>
+    <cs:fillRef idx="0"/>
+    <cs:effectRef idx="0"/>
+    <cs:fontRef idx="minor">
+      <a:schemeClr val="tx1"/>
+    </cs:fontRef>
+  </cs:plotArea>
+  <cs:plotArea3D mods="allowNoFillOverride allowNoLineOverride">
+    <cs:lnRef idx="0"/>
+    <cs:fillRef idx="0"/>
+    <cs:effectRef idx="0"/>
+    <cs:fontRef idx="minor">
+      <a:schemeClr val="tx1"/>
+    </cs:fontRef>
+  </cs:plotArea3D>
+  <cs:seriesAxis>
+    <cs:lnRef idx="0"/>
+    <cs:fillRef idx="0"/>
+    <cs:effectRef idx="0"/>
+    <cs:fontRef idx="minor">
+      <a:schemeClr val="tx1">
+        <a:lumMod val="65000"/>
+        <a:lumOff val="35000"/>
+      </a:schemeClr>
+    </cs:fontRef>
+    <cs:defRPr sz="1197" kern="1200"/>
+  </cs:seriesAxis>
+  <cs:seriesLine>
+    <cs:lnRef idx="0"/>
+    <cs:fillRef idx="0"/>
+    <cs:effectRef idx="0"/>
+    <cs:fontRef idx="minor">
+      <a:schemeClr val="tx1"/>
+    </cs:fontRef>
+    <cs:spPr>
+      <a:ln w="9525" cap="flat" cmpd="sng" algn="ctr">
+        <a:solidFill>
+          <a:schemeClr val="tx1">
+            <a:lumMod val="35000"/>
+            <a:lumOff val="65000"/>
+          </a:schemeClr>
+        </a:solidFill>
+        <a:round/>
+      </a:ln>
+    </cs:spPr>
+  </cs:seriesLine>
+  <cs:title>
+    <cs:lnRef idx="0"/>
+    <cs:fillRef idx="0"/>
+    <cs:effectRef idx="0"/>
+    <cs:fontRef idx="minor">
+      <a:schemeClr val="tx1">
+        <a:lumMod val="65000"/>
+        <a:lumOff val="35000"/>
+      </a:schemeClr>
+    </cs:fontRef>
+    <cs:defRPr sz="1862" b="0" kern="1200" spc="0" baseline="0"/>
+  </cs:title>
+  <cs:trendline>
+    <cs:lnRef idx="0">
+      <cs:styleClr val="auto"/>
+    </cs:lnRef>
+    <cs:fillRef idx="0"/>
+    <cs:effectRef idx="0"/>
+    <cs:fontRef idx="minor">
+      <a:schemeClr val="tx1"/>
+    </cs:fontRef>
+    <cs:spPr>
+      <a:ln w="19050" cap="rnd">
+        <a:solidFill>
+          <a:schemeClr val="phClr"/>
+        </a:solidFill>
+        <a:prstDash val="sysDot"/>
+      </a:ln>
+    </cs:spPr>
+  </cs:trendline>
+  <cs:trendlineLabel>
+    <cs:lnRef idx="0"/>
+    <cs:fillRef idx="0"/>
+    <cs:effectRef idx="0"/>
+    <cs:fontRef idx="minor">
+      <a:schemeClr val="tx1">
+        <a:lumMod val="65000"/>
+        <a:lumOff val="35000"/>
+      </a:schemeClr>
+    </cs:fontRef>
+    <cs:defRPr sz="1197" kern="1200"/>
+  </cs:trendlineLabel>
+  <cs:upBar>
+    <cs:lnRef idx="0"/>
+    <cs:fillRef idx="0"/>
+    <cs:effectRef idx="0"/>
+    <cs:fontRef idx="minor">
+      <a:schemeClr val="tx1"/>
+    </cs:fontRef>
+    <cs:spPr>
+      <a:solidFill>
+        <a:schemeClr val="lt1"/>
+      </a:solidFill>
+      <a:ln w="9525" cap="flat" cmpd="sng" algn="ctr">
+        <a:solidFill>
+          <a:schemeClr val="tx1">
+            <a:lumMod val="65000"/>
+            <a:lumOff val="35000"/>
+          </a:schemeClr>
+        </a:solidFill>
+        <a:round/>
+      </a:ln>
+    </cs:spPr>
+  </cs:upBar>
+  <cs:valueAxis>
+    <cs:lnRef idx="0"/>
+    <cs:fillRef idx="0"/>
+    <cs:effectRef idx="0"/>
+    <cs:fontRef idx="minor">
+      <a:schemeClr val="tx1">
+        <a:lumMod val="65000"/>
+        <a:lumOff val="35000"/>
+      </a:schemeClr>
+    </cs:fontRef>
+    <cs:defRPr sz="1197" kern="1200"/>
+  </cs:valueAxis>
+  <cs:wall>
+    <cs:lnRef idx="0"/>
+    <cs:fillRef idx="0"/>
+    <cs:effectRef idx="0"/>
+    <cs:fontRef idx="minor">
+      <a:schemeClr val="tx1"/>
+    </cs:fontRef>
+    <cs:spPr>
+      <a:noFill/>
+      <a:ln>
+        <a:noFill/>
+      </a:ln>
+    </cs:spPr>
+  </cs:wall>
+</cs:chartStyle>
+</file>
+
+<file path=ppt/charts/style2.xml><?xml version="1.0" encoding="utf-8"?>
 <cs:chartStyle xmlns:cs="http://schemas.microsoft.com/office/drawing/2012/chartStyle" xmlns:a="http://schemas.openxmlformats.org/drawingml/2006/main" id="251">
   <cs:axisTitle>
     <cs:lnRef idx="0"/>
@@ -6294,41 +9570,61 @@
         </p:nvSpPr>
         <p:spPr/>
         <p:txBody>
-          <a:bodyPr/>
+          <a:bodyPr>
+            <a:noAutofit/>
+          </a:bodyPr>
           <a:lstStyle/>
           <a:p>
             <a:r>
-              <a:rPr lang="en-GB" dirty="0"/>
-              <a:t>Part 2</a:t>
+              <a:rPr lang="en-GB" sz="4000" dirty="0"/>
+              <a:t>Part 2- </a:t>
+            </a:r>
+            <a:r>
+              <a:rPr lang="en-GB" sz="2400" dirty="0"/>
+              <a:t>the graph doesn’t make sense but I don’t even care anymore this caused me far too much pain that I really shouldn’t have continued but anyways the conclusion is power query is possibly useful in excel but whoever included it in </a:t>
+            </a:r>
+            <a:r>
+              <a:rPr lang="en-GB" sz="2400" dirty="0" err="1"/>
+              <a:t>powerpoint</a:t>
+            </a:r>
+            <a:r>
+              <a:rPr lang="en-GB" sz="2400" dirty="0"/>
+              <a:t> half-arsed it so there’s the hint that it could have worked but doesn’t actually which that disappointment pretty much sums up this task huh </a:t>
             </a:r>
           </a:p>
         </p:txBody>
       </p:sp>
-      <p:sp>
-        <p:nvSpPr>
-          <p:cNvPr id="3" name="Content Placeholder 2">
+      <p:graphicFrame>
+        <p:nvGraphicFramePr>
+          <p:cNvPr id="7" name="Content Placeholder 5">
             <a:extLst>
               <a:ext uri="{FF2B5EF4-FFF2-40B4-BE49-F238E27FC236}">
-                <a16:creationId xmlns:a16="http://schemas.microsoft.com/office/drawing/2014/main" id="{FDE28A86-D196-0F53-EFD2-F4148BBBCE4A}"/>
+                <a16:creationId xmlns:a16="http://schemas.microsoft.com/office/drawing/2014/main" id="{A1448179-2FD1-A131-7224-0452814DD5B5}"/>
               </a:ext>
             </a:extLst>
           </p:cNvPr>
-          <p:cNvSpPr>
-            <a:spLocks noGrp="1"/>
-          </p:cNvSpPr>
+          <p:cNvGraphicFramePr>
+            <a:graphicFrameLocks noGrp="1"/>
+          </p:cNvGraphicFramePr>
           <p:nvPr>
             <p:ph idx="1"/>
+            <p:extLst>
+              <p:ext uri="{D42A27DB-BD31-4B8C-83A1-F6EECF244321}">
+                <p14:modId xmlns:p14="http://schemas.microsoft.com/office/powerpoint/2010/main" val="1751179142"/>
+              </p:ext>
+            </p:extLst>
           </p:nvPr>
-        </p:nvSpPr>
-        <p:spPr/>
-        <p:txBody>
-          <a:bodyPr/>
-          <a:lstStyle/>
-          <a:p>
-            <a:endParaRPr lang="en-GB"/>
-          </a:p>
-        </p:txBody>
-      </p:sp>
+        </p:nvGraphicFramePr>
+        <p:xfrm>
+          <a:off x="838200" y="2020934"/>
+          <a:ext cx="10515600" cy="4351338"/>
+        </p:xfrm>
+        <a:graphic>
+          <a:graphicData uri="http://schemas.openxmlformats.org/drawingml/2006/chart">
+            <c:chart xmlns:c="http://schemas.openxmlformats.org/drawingml/2006/chart" xmlns:r="http://schemas.openxmlformats.org/officeDocument/2006/relationships" r:id="rId2"/>
+          </a:graphicData>
+        </a:graphic>
+      </p:graphicFrame>
     </p:spTree>
     <p:extLst>
       <p:ext uri="{BB962C8B-B14F-4D97-AF65-F5344CB8AC3E}">
